--- a/Escapartment 아트 리소스.pptx
+++ b/Escapartment 아트 리소스.pptx
@@ -7,6 +7,8 @@
   <p:sldIdLst>
     <p:sldId id="256" r:id="rId2"/>
     <p:sldId id="257" r:id="rId3"/>
+    <p:sldId id="258" r:id="rId4"/>
+    <p:sldId id="259" r:id="rId5"/>
   </p:sldIdLst>
   <p:sldSz cx="12192000" cy="6858000"/>
   <p:notesSz cx="6858000" cy="9144000"/>
@@ -105,6 +107,11 @@
       </a:defRPr>
     </a:lvl9pPr>
   </p:defaultTextStyle>
+  <p:extLst>
+    <p:ext uri="{EFAFB233-063F-42B5-8137-9DF3F51BA10A}">
+      <p15:sldGuideLst xmlns:p15="http://schemas.microsoft.com/office/powerpoint/2012/main"/>
+    </p:ext>
+  </p:extLst>
 </p:presentation>
 </file>
 
@@ -3222,7 +3229,11 @@
             <a:prstGeom prst="rect">
               <a:avLst/>
             </a:prstGeom>
-            <a:noFill/>
+            <a:solidFill>
+              <a:schemeClr val="bg1">
+                <a:lumMod val="75000"/>
+              </a:schemeClr>
+            </a:solidFill>
             <a:ln w="63500">
               <a:solidFill>
                 <a:schemeClr val="tx1"/>
@@ -3268,7 +3279,11 @@
             <a:prstGeom prst="rect">
               <a:avLst/>
             </a:prstGeom>
-            <a:noFill/>
+            <a:solidFill>
+              <a:schemeClr val="bg1">
+                <a:lumMod val="85000"/>
+              </a:schemeClr>
+            </a:solidFill>
             <a:ln w="25400">
               <a:solidFill>
                 <a:schemeClr val="tx1"/>
@@ -3445,6 +3460,1338 @@
     <p:extLst>
       <p:ext uri="{BB962C8B-B14F-4D97-AF65-F5344CB8AC3E}">
         <p14:creationId xmlns:p14="http://schemas.microsoft.com/office/powerpoint/2010/main" val="897355944"/>
+      </p:ext>
+    </p:extLst>
+  </p:cSld>
+  <p:clrMapOvr>
+    <a:masterClrMapping/>
+  </p:clrMapOvr>
+</p:sld>
+</file>
+
+<file path=ppt/slides/slide3.xml><?xml version="1.0" encoding="utf-8"?>
+<p:sld xmlns:a="http://schemas.openxmlformats.org/drawingml/2006/main" xmlns:r="http://schemas.openxmlformats.org/officeDocument/2006/relationships" xmlns:p="http://schemas.openxmlformats.org/presentationml/2006/main">
+  <p:cSld>
+    <p:spTree>
+      <p:nvGrpSpPr>
+        <p:cNvPr id="1" name=""/>
+        <p:cNvGrpSpPr/>
+        <p:nvPr/>
+      </p:nvGrpSpPr>
+      <p:grpSpPr>
+        <a:xfrm>
+          <a:off x="0" y="0"/>
+          <a:ext cx="0" cy="0"/>
+          <a:chOff x="0" y="0"/>
+          <a:chExt cx="0" cy="0"/>
+        </a:xfrm>
+      </p:grpSpPr>
+      <p:sp>
+        <p:nvSpPr>
+          <p:cNvPr id="4" name="직사각형 3"/>
+          <p:cNvSpPr/>
+          <p:nvPr/>
+        </p:nvSpPr>
+        <p:spPr>
+          <a:xfrm>
+            <a:off x="1" y="4585063"/>
+            <a:ext cx="12192000" cy="2272937"/>
+          </a:xfrm>
+          <a:prstGeom prst="rect">
+            <a:avLst/>
+          </a:prstGeom>
+          <a:solidFill>
+            <a:schemeClr val="accent2">
+              <a:lumMod val="50000"/>
+            </a:schemeClr>
+          </a:solidFill>
+          <a:ln w="63500">
+            <a:solidFill>
+              <a:schemeClr val="tx1"/>
+            </a:solidFill>
+          </a:ln>
+        </p:spPr>
+        <p:style>
+          <a:lnRef idx="2">
+            <a:schemeClr val="accent1">
+              <a:shade val="50000"/>
+            </a:schemeClr>
+          </a:lnRef>
+          <a:fillRef idx="1">
+            <a:schemeClr val="accent1"/>
+          </a:fillRef>
+          <a:effectRef idx="0">
+            <a:schemeClr val="accent1"/>
+          </a:effectRef>
+          <a:fontRef idx="minor">
+            <a:schemeClr val="lt1"/>
+          </a:fontRef>
+        </p:style>
+        <p:txBody>
+          <a:bodyPr rtlCol="0" anchor="ctr"/>
+          <a:lstStyle/>
+          <a:p>
+            <a:pPr algn="ctr"/>
+            <a:endParaRPr lang="ko-KR" altLang="en-US"/>
+          </a:p>
+        </p:txBody>
+      </p:sp>
+    </p:spTree>
+    <p:extLst>
+      <p:ext uri="{BB962C8B-B14F-4D97-AF65-F5344CB8AC3E}">
+        <p14:creationId xmlns:p14="http://schemas.microsoft.com/office/powerpoint/2010/main" val="3783022351"/>
+      </p:ext>
+    </p:extLst>
+  </p:cSld>
+  <p:clrMapOvr>
+    <a:masterClrMapping/>
+  </p:clrMapOvr>
+</p:sld>
+</file>
+
+<file path=ppt/slides/slide4.xml><?xml version="1.0" encoding="utf-8"?>
+<p:sld xmlns:a="http://schemas.openxmlformats.org/drawingml/2006/main" xmlns:r="http://schemas.openxmlformats.org/officeDocument/2006/relationships" xmlns:p="http://schemas.openxmlformats.org/presentationml/2006/main">
+  <p:cSld>
+    <p:spTree>
+      <p:nvGrpSpPr>
+        <p:cNvPr id="1" name=""/>
+        <p:cNvGrpSpPr/>
+        <p:nvPr/>
+      </p:nvGrpSpPr>
+      <p:grpSpPr>
+        <a:xfrm>
+          <a:off x="0" y="0"/>
+          <a:ext cx="0" cy="0"/>
+          <a:chOff x="0" y="0"/>
+          <a:chExt cx="0" cy="0"/>
+        </a:xfrm>
+      </p:grpSpPr>
+      <p:grpSp>
+        <p:nvGrpSpPr>
+          <p:cNvPr id="38" name="그룹 37"/>
+          <p:cNvGrpSpPr/>
+          <p:nvPr/>
+        </p:nvGrpSpPr>
+        <p:grpSpPr>
+          <a:xfrm>
+            <a:off x="4717143" y="478971"/>
+            <a:ext cx="3596400" cy="6037200"/>
+            <a:chOff x="4717143" y="478971"/>
+            <a:chExt cx="3635984" cy="6037200"/>
+          </a:xfrm>
+        </p:grpSpPr>
+        <p:sp>
+          <p:nvSpPr>
+            <p:cNvPr id="34" name="직사각형 33"/>
+            <p:cNvSpPr/>
+            <p:nvPr/>
+          </p:nvSpPr>
+          <p:spPr>
+            <a:xfrm>
+              <a:off x="7737232" y="501661"/>
+              <a:ext cx="615895" cy="6014510"/>
+            </a:xfrm>
+            <a:prstGeom prst="rect">
+              <a:avLst/>
+            </a:prstGeom>
+            <a:solidFill>
+              <a:srgbClr val="E4E4E4"/>
+            </a:solidFill>
+            <a:ln w="25400">
+              <a:solidFill>
+                <a:schemeClr val="tx1"/>
+              </a:solidFill>
+            </a:ln>
+            <a:effectLst/>
+          </p:spPr>
+          <p:style>
+            <a:lnRef idx="2">
+              <a:schemeClr val="accent1">
+                <a:shade val="50000"/>
+              </a:schemeClr>
+            </a:lnRef>
+            <a:fillRef idx="1">
+              <a:schemeClr val="accent1"/>
+            </a:fillRef>
+            <a:effectRef idx="0">
+              <a:schemeClr val="accent1"/>
+            </a:effectRef>
+            <a:fontRef idx="minor">
+              <a:schemeClr val="lt1"/>
+            </a:fontRef>
+          </p:style>
+          <p:txBody>
+            <a:bodyPr rtlCol="0" anchor="ctr"/>
+            <a:lstStyle/>
+            <a:p>
+              <a:pPr algn="ctr"/>
+              <a:endParaRPr lang="ko-KR" altLang="en-US"/>
+            </a:p>
+          </p:txBody>
+        </p:sp>
+        <p:sp>
+          <p:nvSpPr>
+            <p:cNvPr id="33" name="평행 사변형 32"/>
+            <p:cNvSpPr/>
+            <p:nvPr/>
+          </p:nvSpPr>
+          <p:spPr>
+            <a:xfrm>
+              <a:off x="5881733" y="478971"/>
+              <a:ext cx="2444696" cy="1608463"/>
+            </a:xfrm>
+            <a:prstGeom prst="parallelogram">
+              <a:avLst>
+                <a:gd name="adj" fmla="val 36529"/>
+              </a:avLst>
+            </a:prstGeom>
+            <a:solidFill>
+              <a:schemeClr val="bg1">
+                <a:lumMod val="85000"/>
+              </a:schemeClr>
+            </a:solidFill>
+            <a:ln w="25400">
+              <a:solidFill>
+                <a:schemeClr val="tx1"/>
+              </a:solidFill>
+            </a:ln>
+          </p:spPr>
+          <p:style>
+            <a:lnRef idx="2">
+              <a:schemeClr val="accent1">
+                <a:shade val="50000"/>
+              </a:schemeClr>
+            </a:lnRef>
+            <a:fillRef idx="1">
+              <a:schemeClr val="accent1"/>
+            </a:fillRef>
+            <a:effectRef idx="0">
+              <a:schemeClr val="accent1"/>
+            </a:effectRef>
+            <a:fontRef idx="minor">
+              <a:schemeClr val="lt1"/>
+            </a:fontRef>
+          </p:style>
+          <p:txBody>
+            <a:bodyPr rtlCol="0" anchor="ctr"/>
+            <a:lstStyle/>
+            <a:p>
+              <a:pPr algn="ctr"/>
+              <a:endParaRPr lang="ko-KR" altLang="en-US"/>
+            </a:p>
+          </p:txBody>
+        </p:sp>
+        <p:grpSp>
+          <p:nvGrpSpPr>
+            <p:cNvPr id="30" name="그룹 29"/>
+            <p:cNvGrpSpPr/>
+            <p:nvPr/>
+          </p:nvGrpSpPr>
+          <p:grpSpPr>
+            <a:xfrm>
+              <a:off x="4717143" y="478971"/>
+              <a:ext cx="1818000" cy="6037200"/>
+              <a:chOff x="4717143" y="478971"/>
+              <a:chExt cx="1818000" cy="6037200"/>
+            </a:xfrm>
+          </p:grpSpPr>
+          <p:sp>
+            <p:nvSpPr>
+              <p:cNvPr id="29" name="직사각형 28"/>
+              <p:cNvSpPr/>
+              <p:nvPr/>
+            </p:nvSpPr>
+            <p:spPr>
+              <a:xfrm>
+                <a:off x="4717143" y="478971"/>
+                <a:ext cx="1818000" cy="6037200"/>
+              </a:xfrm>
+              <a:prstGeom prst="rect">
+                <a:avLst/>
+              </a:prstGeom>
+              <a:solidFill>
+                <a:schemeClr val="bg1">
+                  <a:lumMod val="85000"/>
+                </a:schemeClr>
+              </a:solidFill>
+              <a:ln w="63500">
+                <a:noFill/>
+              </a:ln>
+            </p:spPr>
+            <p:style>
+              <a:lnRef idx="2">
+                <a:schemeClr val="accent1">
+                  <a:shade val="50000"/>
+                </a:schemeClr>
+              </a:lnRef>
+              <a:fillRef idx="1">
+                <a:schemeClr val="accent1"/>
+              </a:fillRef>
+              <a:effectRef idx="0">
+                <a:schemeClr val="accent1"/>
+              </a:effectRef>
+              <a:fontRef idx="minor">
+                <a:schemeClr val="lt1"/>
+              </a:fontRef>
+            </p:style>
+            <p:txBody>
+              <a:bodyPr rtlCol="0" anchor="ctr"/>
+              <a:lstStyle/>
+              <a:p>
+                <a:pPr algn="ctr"/>
+                <a:endParaRPr lang="ko-KR" altLang="en-US"/>
+              </a:p>
+            </p:txBody>
+          </p:sp>
+          <p:sp>
+            <p:nvSpPr>
+              <p:cNvPr id="5" name="직사각형 4"/>
+              <p:cNvSpPr/>
+              <p:nvPr/>
+            </p:nvSpPr>
+            <p:spPr>
+              <a:xfrm>
+                <a:off x="4717143" y="478971"/>
+                <a:ext cx="820056" cy="6037200"/>
+              </a:xfrm>
+              <a:prstGeom prst="rect">
+                <a:avLst/>
+              </a:prstGeom>
+              <a:solidFill>
+                <a:schemeClr val="bg1">
+                  <a:lumMod val="65000"/>
+                </a:schemeClr>
+              </a:solidFill>
+              <a:ln w="25400">
+                <a:solidFill>
+                  <a:schemeClr val="tx1"/>
+                </a:solidFill>
+              </a:ln>
+            </p:spPr>
+            <p:style>
+              <a:lnRef idx="2">
+                <a:schemeClr val="accent1">
+                  <a:shade val="50000"/>
+                </a:schemeClr>
+              </a:lnRef>
+              <a:fillRef idx="1">
+                <a:schemeClr val="accent1"/>
+              </a:fillRef>
+              <a:effectRef idx="0">
+                <a:schemeClr val="accent1"/>
+              </a:effectRef>
+              <a:fontRef idx="minor">
+                <a:schemeClr val="lt1"/>
+              </a:fontRef>
+            </p:style>
+            <p:txBody>
+              <a:bodyPr rtlCol="0" anchor="ctr"/>
+              <a:lstStyle/>
+              <a:p>
+                <a:pPr algn="ctr"/>
+                <a:endParaRPr lang="ko-KR" altLang="en-US"/>
+              </a:p>
+            </p:txBody>
+          </p:sp>
+          <p:sp>
+            <p:nvSpPr>
+              <p:cNvPr id="6" name="직사각형 5"/>
+              <p:cNvSpPr/>
+              <p:nvPr/>
+            </p:nvSpPr>
+            <p:spPr>
+              <a:xfrm>
+                <a:off x="4717143" y="6255657"/>
+                <a:ext cx="1818000" cy="260514"/>
+              </a:xfrm>
+              <a:prstGeom prst="rect">
+                <a:avLst/>
+              </a:prstGeom>
+              <a:solidFill>
+                <a:schemeClr val="bg1">
+                  <a:lumMod val="50000"/>
+                </a:schemeClr>
+              </a:solidFill>
+              <a:ln w="25400">
+                <a:solidFill>
+                  <a:schemeClr val="tx1"/>
+                </a:solidFill>
+              </a:ln>
+            </p:spPr>
+            <p:style>
+              <a:lnRef idx="2">
+                <a:schemeClr val="accent1">
+                  <a:shade val="50000"/>
+                </a:schemeClr>
+              </a:lnRef>
+              <a:fillRef idx="1">
+                <a:schemeClr val="accent1"/>
+              </a:fillRef>
+              <a:effectRef idx="0">
+                <a:schemeClr val="accent1"/>
+              </a:effectRef>
+              <a:fontRef idx="minor">
+                <a:schemeClr val="lt1"/>
+              </a:fontRef>
+            </p:style>
+            <p:txBody>
+              <a:bodyPr rtlCol="0" anchor="ctr"/>
+              <a:lstStyle/>
+              <a:p>
+                <a:pPr algn="ctr"/>
+                <a:endParaRPr lang="ko-KR" altLang="en-US"/>
+              </a:p>
+            </p:txBody>
+          </p:sp>
+          <p:sp>
+            <p:nvSpPr>
+              <p:cNvPr id="7" name="직사각형 6"/>
+              <p:cNvSpPr/>
+              <p:nvPr/>
+            </p:nvSpPr>
+            <p:spPr>
+              <a:xfrm rot="10800000">
+                <a:off x="4767543" y="5995143"/>
+                <a:ext cx="1767600" cy="260514"/>
+              </a:xfrm>
+              <a:prstGeom prst="rect">
+                <a:avLst/>
+              </a:prstGeom>
+              <a:solidFill>
+                <a:schemeClr val="bg1">
+                  <a:lumMod val="50000"/>
+                </a:schemeClr>
+              </a:solidFill>
+              <a:ln w="25400">
+                <a:solidFill>
+                  <a:schemeClr val="tx1"/>
+                </a:solidFill>
+              </a:ln>
+            </p:spPr>
+            <p:style>
+              <a:lnRef idx="2">
+                <a:schemeClr val="accent1">
+                  <a:shade val="50000"/>
+                </a:schemeClr>
+              </a:lnRef>
+              <a:fillRef idx="1">
+                <a:schemeClr val="accent1"/>
+              </a:fillRef>
+              <a:effectRef idx="0">
+                <a:schemeClr val="accent1"/>
+              </a:effectRef>
+              <a:fontRef idx="minor">
+                <a:schemeClr val="lt1"/>
+              </a:fontRef>
+            </p:style>
+            <p:txBody>
+              <a:bodyPr rtlCol="0" anchor="ctr"/>
+              <a:lstStyle/>
+              <a:p>
+                <a:pPr algn="ctr"/>
+                <a:endParaRPr lang="ko-KR" altLang="en-US"/>
+              </a:p>
+            </p:txBody>
+          </p:sp>
+          <p:sp>
+            <p:nvSpPr>
+              <p:cNvPr id="14" name="직사각형 13"/>
+              <p:cNvSpPr/>
+              <p:nvPr/>
+            </p:nvSpPr>
+            <p:spPr>
+              <a:xfrm rot="10800000">
+                <a:off x="4817943" y="5734630"/>
+                <a:ext cx="1717200" cy="260514"/>
+              </a:xfrm>
+              <a:prstGeom prst="rect">
+                <a:avLst/>
+              </a:prstGeom>
+              <a:solidFill>
+                <a:schemeClr val="bg1">
+                  <a:lumMod val="50000"/>
+                </a:schemeClr>
+              </a:solidFill>
+              <a:ln w="25400">
+                <a:solidFill>
+                  <a:schemeClr val="tx1"/>
+                </a:solidFill>
+              </a:ln>
+            </p:spPr>
+            <p:style>
+              <a:lnRef idx="2">
+                <a:schemeClr val="accent1">
+                  <a:shade val="50000"/>
+                </a:schemeClr>
+              </a:lnRef>
+              <a:fillRef idx="1">
+                <a:schemeClr val="accent1"/>
+              </a:fillRef>
+              <a:effectRef idx="0">
+                <a:schemeClr val="accent1"/>
+              </a:effectRef>
+              <a:fontRef idx="minor">
+                <a:schemeClr val="lt1"/>
+              </a:fontRef>
+            </p:style>
+            <p:txBody>
+              <a:bodyPr rtlCol="0" anchor="ctr"/>
+              <a:lstStyle/>
+              <a:p>
+                <a:pPr algn="ctr"/>
+                <a:endParaRPr lang="ko-KR" altLang="en-US"/>
+              </a:p>
+            </p:txBody>
+          </p:sp>
+          <p:sp>
+            <p:nvSpPr>
+              <p:cNvPr id="15" name="직사각형 14"/>
+              <p:cNvSpPr/>
+              <p:nvPr/>
+            </p:nvSpPr>
+            <p:spPr>
+              <a:xfrm rot="10800000">
+                <a:off x="4857541" y="5474115"/>
+                <a:ext cx="1677600" cy="260514"/>
+              </a:xfrm>
+              <a:prstGeom prst="rect">
+                <a:avLst/>
+              </a:prstGeom>
+              <a:solidFill>
+                <a:schemeClr val="bg1">
+                  <a:lumMod val="50000"/>
+                </a:schemeClr>
+              </a:solidFill>
+              <a:ln w="25400">
+                <a:solidFill>
+                  <a:schemeClr val="tx1"/>
+                </a:solidFill>
+              </a:ln>
+            </p:spPr>
+            <p:style>
+              <a:lnRef idx="2">
+                <a:schemeClr val="accent1">
+                  <a:shade val="50000"/>
+                </a:schemeClr>
+              </a:lnRef>
+              <a:fillRef idx="1">
+                <a:schemeClr val="accent1"/>
+              </a:fillRef>
+              <a:effectRef idx="0">
+                <a:schemeClr val="accent1"/>
+              </a:effectRef>
+              <a:fontRef idx="minor">
+                <a:schemeClr val="lt1"/>
+              </a:fontRef>
+            </p:style>
+            <p:txBody>
+              <a:bodyPr rtlCol="0" anchor="ctr"/>
+              <a:lstStyle/>
+              <a:p>
+                <a:pPr algn="ctr"/>
+                <a:endParaRPr lang="ko-KR" altLang="en-US"/>
+              </a:p>
+            </p:txBody>
+          </p:sp>
+          <p:sp>
+            <p:nvSpPr>
+              <p:cNvPr id="16" name="직사각형 15"/>
+              <p:cNvSpPr/>
+              <p:nvPr/>
+            </p:nvSpPr>
+            <p:spPr>
+              <a:xfrm rot="10800000">
+                <a:off x="4922340" y="5213602"/>
+                <a:ext cx="1612800" cy="260514"/>
+              </a:xfrm>
+              <a:prstGeom prst="rect">
+                <a:avLst/>
+              </a:prstGeom>
+              <a:solidFill>
+                <a:schemeClr val="bg1">
+                  <a:lumMod val="50000"/>
+                </a:schemeClr>
+              </a:solidFill>
+              <a:ln w="25400">
+                <a:solidFill>
+                  <a:schemeClr val="tx1"/>
+                </a:solidFill>
+              </a:ln>
+            </p:spPr>
+            <p:style>
+              <a:lnRef idx="2">
+                <a:schemeClr val="accent1">
+                  <a:shade val="50000"/>
+                </a:schemeClr>
+              </a:lnRef>
+              <a:fillRef idx="1">
+                <a:schemeClr val="accent1"/>
+              </a:fillRef>
+              <a:effectRef idx="0">
+                <a:schemeClr val="accent1"/>
+              </a:effectRef>
+              <a:fontRef idx="minor">
+                <a:schemeClr val="lt1"/>
+              </a:fontRef>
+            </p:style>
+            <p:txBody>
+              <a:bodyPr rtlCol="0" anchor="ctr"/>
+              <a:lstStyle/>
+              <a:p>
+                <a:pPr algn="ctr"/>
+                <a:endParaRPr lang="ko-KR" altLang="en-US"/>
+              </a:p>
+            </p:txBody>
+          </p:sp>
+          <p:sp>
+            <p:nvSpPr>
+              <p:cNvPr id="17" name="직사각형 16"/>
+              <p:cNvSpPr/>
+              <p:nvPr/>
+            </p:nvSpPr>
+            <p:spPr>
+              <a:xfrm rot="10800000">
+                <a:off x="4972740" y="4953089"/>
+                <a:ext cx="1562400" cy="260514"/>
+              </a:xfrm>
+              <a:prstGeom prst="rect">
+                <a:avLst/>
+              </a:prstGeom>
+              <a:solidFill>
+                <a:schemeClr val="bg1">
+                  <a:lumMod val="50000"/>
+                </a:schemeClr>
+              </a:solidFill>
+              <a:ln w="25400">
+                <a:solidFill>
+                  <a:schemeClr val="tx1"/>
+                </a:solidFill>
+              </a:ln>
+            </p:spPr>
+            <p:style>
+              <a:lnRef idx="2">
+                <a:schemeClr val="accent1">
+                  <a:shade val="50000"/>
+                </a:schemeClr>
+              </a:lnRef>
+              <a:fillRef idx="1">
+                <a:schemeClr val="accent1"/>
+              </a:fillRef>
+              <a:effectRef idx="0">
+                <a:schemeClr val="accent1"/>
+              </a:effectRef>
+              <a:fontRef idx="minor">
+                <a:schemeClr val="lt1"/>
+              </a:fontRef>
+            </p:style>
+            <p:txBody>
+              <a:bodyPr rtlCol="0" anchor="ctr"/>
+              <a:lstStyle/>
+              <a:p>
+                <a:pPr algn="ctr"/>
+                <a:endParaRPr lang="ko-KR" altLang="en-US"/>
+              </a:p>
+            </p:txBody>
+          </p:sp>
+          <p:sp>
+            <p:nvSpPr>
+              <p:cNvPr id="18" name="직사각형 17"/>
+              <p:cNvSpPr/>
+              <p:nvPr/>
+            </p:nvSpPr>
+            <p:spPr>
+              <a:xfrm rot="10800000">
+                <a:off x="5023138" y="4692574"/>
+                <a:ext cx="1512000" cy="260514"/>
+              </a:xfrm>
+              <a:prstGeom prst="rect">
+                <a:avLst/>
+              </a:prstGeom>
+              <a:solidFill>
+                <a:schemeClr val="bg1">
+                  <a:lumMod val="50000"/>
+                </a:schemeClr>
+              </a:solidFill>
+              <a:ln w="25400">
+                <a:solidFill>
+                  <a:schemeClr val="tx1"/>
+                </a:solidFill>
+              </a:ln>
+            </p:spPr>
+            <p:style>
+              <a:lnRef idx="2">
+                <a:schemeClr val="accent1">
+                  <a:shade val="50000"/>
+                </a:schemeClr>
+              </a:lnRef>
+              <a:fillRef idx="1">
+                <a:schemeClr val="accent1"/>
+              </a:fillRef>
+              <a:effectRef idx="0">
+                <a:schemeClr val="accent1"/>
+              </a:effectRef>
+              <a:fontRef idx="minor">
+                <a:schemeClr val="lt1"/>
+              </a:fontRef>
+            </p:style>
+            <p:txBody>
+              <a:bodyPr rtlCol="0" anchor="ctr"/>
+              <a:lstStyle/>
+              <a:p>
+                <a:pPr algn="ctr"/>
+                <a:endParaRPr lang="ko-KR" altLang="en-US"/>
+              </a:p>
+            </p:txBody>
+          </p:sp>
+          <p:sp>
+            <p:nvSpPr>
+              <p:cNvPr id="19" name="직사각형 18"/>
+              <p:cNvSpPr/>
+              <p:nvPr/>
+            </p:nvSpPr>
+            <p:spPr>
+              <a:xfrm rot="10800000">
+                <a:off x="5077137" y="4432061"/>
+                <a:ext cx="1458000" cy="260514"/>
+              </a:xfrm>
+              <a:prstGeom prst="rect">
+                <a:avLst/>
+              </a:prstGeom>
+              <a:solidFill>
+                <a:schemeClr val="bg1">
+                  <a:lumMod val="50000"/>
+                </a:schemeClr>
+              </a:solidFill>
+              <a:ln w="25400">
+                <a:solidFill>
+                  <a:schemeClr val="tx1"/>
+                </a:solidFill>
+              </a:ln>
+            </p:spPr>
+            <p:style>
+              <a:lnRef idx="2">
+                <a:schemeClr val="accent1">
+                  <a:shade val="50000"/>
+                </a:schemeClr>
+              </a:lnRef>
+              <a:fillRef idx="1">
+                <a:schemeClr val="accent1"/>
+              </a:fillRef>
+              <a:effectRef idx="0">
+                <a:schemeClr val="accent1"/>
+              </a:effectRef>
+              <a:fontRef idx="minor">
+                <a:schemeClr val="lt1"/>
+              </a:fontRef>
+            </p:style>
+            <p:txBody>
+              <a:bodyPr rtlCol="0" anchor="ctr"/>
+              <a:lstStyle/>
+              <a:p>
+                <a:pPr algn="ctr"/>
+                <a:endParaRPr lang="ko-KR" altLang="en-US"/>
+              </a:p>
+            </p:txBody>
+          </p:sp>
+          <p:sp>
+            <p:nvSpPr>
+              <p:cNvPr id="20" name="직사각형 19"/>
+              <p:cNvSpPr/>
+              <p:nvPr/>
+            </p:nvSpPr>
+            <p:spPr>
+              <a:xfrm rot="10800000">
+                <a:off x="5127535" y="4171546"/>
+                <a:ext cx="1407600" cy="260514"/>
+              </a:xfrm>
+              <a:prstGeom prst="rect">
+                <a:avLst/>
+              </a:prstGeom>
+              <a:solidFill>
+                <a:schemeClr val="bg1">
+                  <a:lumMod val="50000"/>
+                </a:schemeClr>
+              </a:solidFill>
+              <a:ln w="25400">
+                <a:solidFill>
+                  <a:schemeClr val="tx1"/>
+                </a:solidFill>
+              </a:ln>
+            </p:spPr>
+            <p:style>
+              <a:lnRef idx="2">
+                <a:schemeClr val="accent1">
+                  <a:shade val="50000"/>
+                </a:schemeClr>
+              </a:lnRef>
+              <a:fillRef idx="1">
+                <a:schemeClr val="accent1"/>
+              </a:fillRef>
+              <a:effectRef idx="0">
+                <a:schemeClr val="accent1"/>
+              </a:effectRef>
+              <a:fontRef idx="minor">
+                <a:schemeClr val="lt1"/>
+              </a:fontRef>
+            </p:style>
+            <p:txBody>
+              <a:bodyPr rtlCol="0" anchor="ctr"/>
+              <a:lstStyle/>
+              <a:p>
+                <a:pPr algn="ctr"/>
+                <a:endParaRPr lang="ko-KR" altLang="en-US" dirty="0"/>
+              </a:p>
+            </p:txBody>
+          </p:sp>
+          <p:sp>
+            <p:nvSpPr>
+              <p:cNvPr id="21" name="직사각형 20"/>
+              <p:cNvSpPr/>
+              <p:nvPr/>
+            </p:nvSpPr>
+            <p:spPr>
+              <a:xfrm rot="10800000">
+                <a:off x="5177934" y="3911033"/>
+                <a:ext cx="1357200" cy="260514"/>
+              </a:xfrm>
+              <a:prstGeom prst="rect">
+                <a:avLst/>
+              </a:prstGeom>
+              <a:solidFill>
+                <a:schemeClr val="bg1">
+                  <a:lumMod val="50000"/>
+                </a:schemeClr>
+              </a:solidFill>
+              <a:ln w="25400">
+                <a:solidFill>
+                  <a:schemeClr val="tx1"/>
+                </a:solidFill>
+              </a:ln>
+            </p:spPr>
+            <p:style>
+              <a:lnRef idx="2">
+                <a:schemeClr val="accent1">
+                  <a:shade val="50000"/>
+                </a:schemeClr>
+              </a:lnRef>
+              <a:fillRef idx="1">
+                <a:schemeClr val="accent1"/>
+              </a:fillRef>
+              <a:effectRef idx="0">
+                <a:schemeClr val="accent1"/>
+              </a:effectRef>
+              <a:fontRef idx="minor">
+                <a:schemeClr val="lt1"/>
+              </a:fontRef>
+            </p:style>
+            <p:txBody>
+              <a:bodyPr rtlCol="0" anchor="ctr"/>
+              <a:lstStyle/>
+              <a:p>
+                <a:pPr algn="ctr"/>
+                <a:endParaRPr lang="ko-KR" altLang="en-US"/>
+              </a:p>
+            </p:txBody>
+          </p:sp>
+          <p:sp>
+            <p:nvSpPr>
+              <p:cNvPr id="22" name="직사각형 21"/>
+              <p:cNvSpPr/>
+              <p:nvPr/>
+            </p:nvSpPr>
+            <p:spPr>
+              <a:xfrm rot="10800000">
+                <a:off x="5228334" y="3650520"/>
+                <a:ext cx="1306800" cy="260514"/>
+              </a:xfrm>
+              <a:prstGeom prst="rect">
+                <a:avLst/>
+              </a:prstGeom>
+              <a:solidFill>
+                <a:schemeClr val="bg1">
+                  <a:lumMod val="50000"/>
+                </a:schemeClr>
+              </a:solidFill>
+              <a:ln w="25400">
+                <a:solidFill>
+                  <a:schemeClr val="tx1"/>
+                </a:solidFill>
+              </a:ln>
+            </p:spPr>
+            <p:style>
+              <a:lnRef idx="2">
+                <a:schemeClr val="accent1">
+                  <a:shade val="50000"/>
+                </a:schemeClr>
+              </a:lnRef>
+              <a:fillRef idx="1">
+                <a:schemeClr val="accent1"/>
+              </a:fillRef>
+              <a:effectRef idx="0">
+                <a:schemeClr val="accent1"/>
+              </a:effectRef>
+              <a:fontRef idx="minor">
+                <a:schemeClr val="lt1"/>
+              </a:fontRef>
+            </p:style>
+            <p:txBody>
+              <a:bodyPr rtlCol="0" anchor="ctr"/>
+              <a:lstStyle/>
+              <a:p>
+                <a:pPr algn="ctr"/>
+                <a:endParaRPr lang="ko-KR" altLang="en-US"/>
+              </a:p>
+            </p:txBody>
+          </p:sp>
+          <p:sp>
+            <p:nvSpPr>
+              <p:cNvPr id="23" name="직사각형 22"/>
+              <p:cNvSpPr/>
+              <p:nvPr/>
+            </p:nvSpPr>
+            <p:spPr>
+              <a:xfrm rot="10800000">
+                <a:off x="5282332" y="3390005"/>
+                <a:ext cx="1252800" cy="260514"/>
+              </a:xfrm>
+              <a:prstGeom prst="rect">
+                <a:avLst/>
+              </a:prstGeom>
+              <a:solidFill>
+                <a:schemeClr val="bg1">
+                  <a:lumMod val="50000"/>
+                </a:schemeClr>
+              </a:solidFill>
+              <a:ln w="25400">
+                <a:solidFill>
+                  <a:schemeClr val="tx1"/>
+                </a:solidFill>
+              </a:ln>
+            </p:spPr>
+            <p:style>
+              <a:lnRef idx="2">
+                <a:schemeClr val="accent1">
+                  <a:shade val="50000"/>
+                </a:schemeClr>
+              </a:lnRef>
+              <a:fillRef idx="1">
+                <a:schemeClr val="accent1"/>
+              </a:fillRef>
+              <a:effectRef idx="0">
+                <a:schemeClr val="accent1"/>
+              </a:effectRef>
+              <a:fontRef idx="minor">
+                <a:schemeClr val="lt1"/>
+              </a:fontRef>
+            </p:style>
+            <p:txBody>
+              <a:bodyPr rtlCol="0" anchor="ctr"/>
+              <a:lstStyle/>
+              <a:p>
+                <a:pPr algn="ctr"/>
+                <a:endParaRPr lang="ko-KR" altLang="en-US"/>
+              </a:p>
+            </p:txBody>
+          </p:sp>
+          <p:sp>
+            <p:nvSpPr>
+              <p:cNvPr id="24" name="직사각형 23"/>
+              <p:cNvSpPr/>
+              <p:nvPr/>
+            </p:nvSpPr>
+            <p:spPr>
+              <a:xfrm rot="10800000">
+                <a:off x="5332732" y="3129492"/>
+                <a:ext cx="1202400" cy="260514"/>
+              </a:xfrm>
+              <a:prstGeom prst="rect">
+                <a:avLst/>
+              </a:prstGeom>
+              <a:solidFill>
+                <a:schemeClr val="bg1">
+                  <a:lumMod val="50000"/>
+                </a:schemeClr>
+              </a:solidFill>
+              <a:ln w="25400">
+                <a:solidFill>
+                  <a:schemeClr val="tx1"/>
+                </a:solidFill>
+              </a:ln>
+            </p:spPr>
+            <p:style>
+              <a:lnRef idx="2">
+                <a:schemeClr val="accent1">
+                  <a:shade val="50000"/>
+                </a:schemeClr>
+              </a:lnRef>
+              <a:fillRef idx="1">
+                <a:schemeClr val="accent1"/>
+              </a:fillRef>
+              <a:effectRef idx="0">
+                <a:schemeClr val="accent1"/>
+              </a:effectRef>
+              <a:fontRef idx="minor">
+                <a:schemeClr val="lt1"/>
+              </a:fontRef>
+            </p:style>
+            <p:txBody>
+              <a:bodyPr rtlCol="0" anchor="ctr"/>
+              <a:lstStyle/>
+              <a:p>
+                <a:pPr algn="ctr"/>
+                <a:endParaRPr lang="ko-KR" altLang="en-US"/>
+              </a:p>
+            </p:txBody>
+          </p:sp>
+          <p:sp>
+            <p:nvSpPr>
+              <p:cNvPr id="25" name="직사각형 24"/>
+              <p:cNvSpPr/>
+              <p:nvPr/>
+            </p:nvSpPr>
+            <p:spPr>
+              <a:xfrm rot="10800000">
+                <a:off x="5383130" y="2868977"/>
+                <a:ext cx="1152000" cy="260514"/>
+              </a:xfrm>
+              <a:prstGeom prst="rect">
+                <a:avLst/>
+              </a:prstGeom>
+              <a:solidFill>
+                <a:schemeClr val="bg1">
+                  <a:lumMod val="50000"/>
+                </a:schemeClr>
+              </a:solidFill>
+              <a:ln w="25400">
+                <a:solidFill>
+                  <a:schemeClr val="tx1"/>
+                </a:solidFill>
+              </a:ln>
+            </p:spPr>
+            <p:style>
+              <a:lnRef idx="2">
+                <a:schemeClr val="accent1">
+                  <a:shade val="50000"/>
+                </a:schemeClr>
+              </a:lnRef>
+              <a:fillRef idx="1">
+                <a:schemeClr val="accent1"/>
+              </a:fillRef>
+              <a:effectRef idx="0">
+                <a:schemeClr val="accent1"/>
+              </a:effectRef>
+              <a:fontRef idx="minor">
+                <a:schemeClr val="lt1"/>
+              </a:fontRef>
+            </p:style>
+            <p:txBody>
+              <a:bodyPr rtlCol="0" anchor="ctr"/>
+              <a:lstStyle/>
+              <a:p>
+                <a:pPr algn="ctr"/>
+                <a:endParaRPr lang="ko-KR" altLang="en-US"/>
+              </a:p>
+            </p:txBody>
+          </p:sp>
+          <p:sp>
+            <p:nvSpPr>
+              <p:cNvPr id="26" name="직사각형 25"/>
+              <p:cNvSpPr/>
+              <p:nvPr/>
+            </p:nvSpPr>
+            <p:spPr>
+              <a:xfrm rot="10800000">
+                <a:off x="5433529" y="2608464"/>
+                <a:ext cx="1101600" cy="260514"/>
+              </a:xfrm>
+              <a:prstGeom prst="rect">
+                <a:avLst/>
+              </a:prstGeom>
+              <a:solidFill>
+                <a:schemeClr val="bg1">
+                  <a:lumMod val="50000"/>
+                </a:schemeClr>
+              </a:solidFill>
+              <a:ln w="25400">
+                <a:solidFill>
+                  <a:schemeClr val="tx1"/>
+                </a:solidFill>
+              </a:ln>
+            </p:spPr>
+            <p:style>
+              <a:lnRef idx="2">
+                <a:schemeClr val="accent1">
+                  <a:shade val="50000"/>
+                </a:schemeClr>
+              </a:lnRef>
+              <a:fillRef idx="1">
+                <a:schemeClr val="accent1"/>
+              </a:fillRef>
+              <a:effectRef idx="0">
+                <a:schemeClr val="accent1"/>
+              </a:effectRef>
+              <a:fontRef idx="minor">
+                <a:schemeClr val="lt1"/>
+              </a:fontRef>
+            </p:style>
+            <p:txBody>
+              <a:bodyPr rtlCol="0" anchor="ctr"/>
+              <a:lstStyle/>
+              <a:p>
+                <a:pPr algn="ctr"/>
+                <a:endParaRPr lang="ko-KR" altLang="en-US"/>
+              </a:p>
+            </p:txBody>
+          </p:sp>
+          <p:sp>
+            <p:nvSpPr>
+              <p:cNvPr id="27" name="직사각형 26"/>
+              <p:cNvSpPr/>
+              <p:nvPr/>
+            </p:nvSpPr>
+            <p:spPr>
+              <a:xfrm rot="10800000">
+                <a:off x="5487529" y="2347951"/>
+                <a:ext cx="1047600" cy="260514"/>
+              </a:xfrm>
+              <a:prstGeom prst="rect">
+                <a:avLst/>
+              </a:prstGeom>
+              <a:solidFill>
+                <a:schemeClr val="bg1">
+                  <a:lumMod val="50000"/>
+                </a:schemeClr>
+              </a:solidFill>
+              <a:ln w="25400">
+                <a:solidFill>
+                  <a:schemeClr val="tx1"/>
+                </a:solidFill>
+              </a:ln>
+            </p:spPr>
+            <p:style>
+              <a:lnRef idx="2">
+                <a:schemeClr val="accent1">
+                  <a:shade val="50000"/>
+                </a:schemeClr>
+              </a:lnRef>
+              <a:fillRef idx="1">
+                <a:schemeClr val="accent1"/>
+              </a:fillRef>
+              <a:effectRef idx="0">
+                <a:schemeClr val="accent1"/>
+              </a:effectRef>
+              <a:fontRef idx="minor">
+                <a:schemeClr val="lt1"/>
+              </a:fontRef>
+            </p:style>
+            <p:txBody>
+              <a:bodyPr rtlCol="0" anchor="ctr"/>
+              <a:lstStyle/>
+              <a:p>
+                <a:pPr algn="ctr"/>
+                <a:endParaRPr lang="ko-KR" altLang="en-US"/>
+              </a:p>
+            </p:txBody>
+          </p:sp>
+          <p:sp>
+            <p:nvSpPr>
+              <p:cNvPr id="28" name="직사각형 27"/>
+              <p:cNvSpPr/>
+              <p:nvPr/>
+            </p:nvSpPr>
+            <p:spPr>
+              <a:xfrm rot="10800000">
+                <a:off x="5537199" y="2087436"/>
+                <a:ext cx="997928" cy="260514"/>
+              </a:xfrm>
+              <a:prstGeom prst="rect">
+                <a:avLst/>
+              </a:prstGeom>
+              <a:solidFill>
+                <a:schemeClr val="bg1">
+                  <a:lumMod val="50000"/>
+                </a:schemeClr>
+              </a:solidFill>
+              <a:ln w="25400">
+                <a:solidFill>
+                  <a:schemeClr val="tx1"/>
+                </a:solidFill>
+              </a:ln>
+            </p:spPr>
+            <p:style>
+              <a:lnRef idx="2">
+                <a:schemeClr val="accent1">
+                  <a:shade val="50000"/>
+                </a:schemeClr>
+              </a:lnRef>
+              <a:fillRef idx="1">
+                <a:schemeClr val="accent1"/>
+              </a:fillRef>
+              <a:effectRef idx="0">
+                <a:schemeClr val="accent1"/>
+              </a:effectRef>
+              <a:fontRef idx="minor">
+                <a:schemeClr val="lt1"/>
+              </a:fontRef>
+            </p:style>
+            <p:txBody>
+              <a:bodyPr rtlCol="0" anchor="ctr"/>
+              <a:lstStyle/>
+              <a:p>
+                <a:pPr algn="ctr"/>
+                <a:endParaRPr lang="ko-KR" altLang="en-US"/>
+              </a:p>
+            </p:txBody>
+          </p:sp>
+          <p:sp>
+            <p:nvSpPr>
+              <p:cNvPr id="4" name="직사각형 3"/>
+              <p:cNvSpPr/>
+              <p:nvPr/>
+            </p:nvSpPr>
+            <p:spPr>
+              <a:xfrm>
+                <a:off x="4717143" y="478971"/>
+                <a:ext cx="1818000" cy="6037200"/>
+              </a:xfrm>
+              <a:prstGeom prst="rect">
+                <a:avLst/>
+              </a:prstGeom>
+              <a:noFill/>
+              <a:ln w="63500">
+                <a:solidFill>
+                  <a:schemeClr val="tx1"/>
+                </a:solidFill>
+              </a:ln>
+            </p:spPr>
+            <p:style>
+              <a:lnRef idx="2">
+                <a:schemeClr val="accent1">
+                  <a:shade val="50000"/>
+                </a:schemeClr>
+              </a:lnRef>
+              <a:fillRef idx="1">
+                <a:schemeClr val="accent1"/>
+              </a:fillRef>
+              <a:effectRef idx="0">
+                <a:schemeClr val="accent1"/>
+              </a:effectRef>
+              <a:fontRef idx="minor">
+                <a:schemeClr val="lt1"/>
+              </a:fontRef>
+            </p:style>
+            <p:txBody>
+              <a:bodyPr rtlCol="0" anchor="ctr"/>
+              <a:lstStyle/>
+              <a:p>
+                <a:pPr algn="ctr"/>
+                <a:endParaRPr lang="ko-KR" altLang="en-US"/>
+              </a:p>
+            </p:txBody>
+          </p:sp>
+        </p:grpSp>
+        <p:sp>
+          <p:nvSpPr>
+            <p:cNvPr id="32" name="직사각형 31"/>
+            <p:cNvSpPr/>
+            <p:nvPr/>
+          </p:nvSpPr>
+          <p:spPr>
+            <a:xfrm>
+              <a:off x="6535128" y="2087435"/>
+              <a:ext cx="1202104" cy="4428736"/>
+            </a:xfrm>
+            <a:prstGeom prst="rect">
+              <a:avLst/>
+            </a:prstGeom>
+            <a:solidFill>
+              <a:schemeClr val="bg1">
+                <a:lumMod val="75000"/>
+              </a:schemeClr>
+            </a:solidFill>
+            <a:ln w="25400">
+              <a:solidFill>
+                <a:schemeClr val="tx1"/>
+              </a:solidFill>
+            </a:ln>
+            <a:effectLst/>
+          </p:spPr>
+          <p:style>
+            <a:lnRef idx="2">
+              <a:schemeClr val="accent1">
+                <a:shade val="50000"/>
+              </a:schemeClr>
+            </a:lnRef>
+            <a:fillRef idx="1">
+              <a:schemeClr val="accent1"/>
+            </a:fillRef>
+            <a:effectRef idx="0">
+              <a:schemeClr val="accent1"/>
+            </a:effectRef>
+            <a:fontRef idx="minor">
+              <a:schemeClr val="lt1"/>
+            </a:fontRef>
+          </p:style>
+          <p:txBody>
+            <a:bodyPr rtlCol="0" anchor="ctr"/>
+            <a:lstStyle/>
+            <a:p>
+              <a:pPr algn="ctr"/>
+              <a:endParaRPr lang="ko-KR" altLang="en-US"/>
+            </a:p>
+          </p:txBody>
+        </p:sp>
+        <p:sp>
+          <p:nvSpPr>
+            <p:cNvPr id="31" name="직사각형 30"/>
+            <p:cNvSpPr/>
+            <p:nvPr/>
+          </p:nvSpPr>
+          <p:spPr>
+            <a:xfrm>
+              <a:off x="6535127" y="478971"/>
+              <a:ext cx="1818000" cy="6037200"/>
+            </a:xfrm>
+            <a:prstGeom prst="rect">
+              <a:avLst/>
+            </a:prstGeom>
+            <a:noFill/>
+            <a:ln w="63500">
+              <a:solidFill>
+                <a:schemeClr val="tx1"/>
+              </a:solidFill>
+            </a:ln>
+          </p:spPr>
+          <p:style>
+            <a:lnRef idx="2">
+              <a:schemeClr val="accent1">
+                <a:shade val="50000"/>
+              </a:schemeClr>
+            </a:lnRef>
+            <a:fillRef idx="1">
+              <a:schemeClr val="accent1"/>
+            </a:fillRef>
+            <a:effectRef idx="0">
+              <a:schemeClr val="accent1"/>
+            </a:effectRef>
+            <a:fontRef idx="minor">
+              <a:schemeClr val="lt1"/>
+            </a:fontRef>
+          </p:style>
+          <p:txBody>
+            <a:bodyPr rtlCol="0" anchor="ctr"/>
+            <a:lstStyle/>
+            <a:p>
+              <a:pPr algn="ctr"/>
+              <a:endParaRPr lang="ko-KR" altLang="en-US"/>
+            </a:p>
+          </p:txBody>
+        </p:sp>
+      </p:grpSp>
+    </p:spTree>
+    <p:extLst>
+      <p:ext uri="{BB962C8B-B14F-4D97-AF65-F5344CB8AC3E}">
+        <p14:creationId xmlns:p14="http://schemas.microsoft.com/office/powerpoint/2010/main" val="2375458012"/>
       </p:ext>
     </p:extLst>
   </p:cSld>

--- a/Escapartment 아트 리소스.pptx
+++ b/Escapartment 아트 리소스.pptx
@@ -9,6 +9,9 @@
     <p:sldId id="257" r:id="rId3"/>
     <p:sldId id="258" r:id="rId4"/>
     <p:sldId id="259" r:id="rId5"/>
+    <p:sldId id="260" r:id="rId6"/>
+    <p:sldId id="261" r:id="rId7"/>
+    <p:sldId id="262" r:id="rId8"/>
   </p:sldIdLst>
   <p:sldSz cx="12192000" cy="6858000"/>
   <p:notesSz cx="6858000" cy="9144000"/>
@@ -4801,6 +4804,2677 @@
 </p:sld>
 </file>
 
+<file path=ppt/slides/slide5.xml><?xml version="1.0" encoding="utf-8"?>
+<p:sld xmlns:a="http://schemas.openxmlformats.org/drawingml/2006/main" xmlns:r="http://schemas.openxmlformats.org/officeDocument/2006/relationships" xmlns:p="http://schemas.openxmlformats.org/presentationml/2006/main">
+  <p:cSld>
+    <p:spTree>
+      <p:nvGrpSpPr>
+        <p:cNvPr id="1" name=""/>
+        <p:cNvGrpSpPr/>
+        <p:nvPr/>
+      </p:nvGrpSpPr>
+      <p:grpSpPr>
+        <a:xfrm>
+          <a:off x="0" y="0"/>
+          <a:ext cx="0" cy="0"/>
+          <a:chOff x="0" y="0"/>
+          <a:chExt cx="0" cy="0"/>
+        </a:xfrm>
+      </p:grpSpPr>
+      <p:sp>
+        <p:nvSpPr>
+          <p:cNvPr id="32" name="눈물 방울 31"/>
+          <p:cNvSpPr>
+            <a:spLocks noChangeAspect="1"/>
+          </p:cNvSpPr>
+          <p:nvPr/>
+        </p:nvSpPr>
+        <p:spPr>
+          <a:xfrm rot="18900000">
+            <a:off x="5688720" y="4065960"/>
+            <a:ext cx="554828" cy="554828"/>
+          </a:xfrm>
+          <a:prstGeom prst="teardrop">
+            <a:avLst>
+              <a:gd name="adj" fmla="val 123218"/>
+            </a:avLst>
+          </a:prstGeom>
+          <a:solidFill>
+            <a:srgbClr val="FF0000"/>
+          </a:solidFill>
+          <a:ln w="38100">
+            <a:solidFill>
+              <a:schemeClr val="tx1"/>
+            </a:solidFill>
+          </a:ln>
+        </p:spPr>
+        <p:style>
+          <a:lnRef idx="2">
+            <a:schemeClr val="accent1">
+              <a:shade val="50000"/>
+            </a:schemeClr>
+          </a:lnRef>
+          <a:fillRef idx="1">
+            <a:schemeClr val="accent1"/>
+          </a:fillRef>
+          <a:effectRef idx="0">
+            <a:schemeClr val="accent1"/>
+          </a:effectRef>
+          <a:fontRef idx="minor">
+            <a:schemeClr val="lt1"/>
+          </a:fontRef>
+        </p:style>
+        <p:txBody>
+          <a:bodyPr rtlCol="0" anchor="ctr"/>
+          <a:lstStyle/>
+          <a:p>
+            <a:pPr algn="ctr"/>
+            <a:endParaRPr lang="ko-KR" altLang="en-US"/>
+          </a:p>
+        </p:txBody>
+      </p:sp>
+      <p:sp>
+        <p:nvSpPr>
+          <p:cNvPr id="4" name="포인트가 5개인 별 3"/>
+          <p:cNvSpPr/>
+          <p:nvPr/>
+        </p:nvSpPr>
+        <p:spPr>
+          <a:xfrm>
+            <a:off x="495026" y="142240"/>
+            <a:ext cx="1440000" cy="1440000"/>
+          </a:xfrm>
+          <a:prstGeom prst="star5">
+            <a:avLst>
+              <a:gd name="adj" fmla="val 29512"/>
+              <a:gd name="hf" fmla="val 105146"/>
+              <a:gd name="vf" fmla="val 110557"/>
+            </a:avLst>
+          </a:prstGeom>
+          <a:solidFill>
+            <a:schemeClr val="accent6">
+              <a:lumMod val="75000"/>
+            </a:schemeClr>
+          </a:solidFill>
+          <a:ln w="63500" cap="rnd">
+            <a:solidFill>
+              <a:schemeClr val="tx1"/>
+            </a:solidFill>
+            <a:round/>
+          </a:ln>
+        </p:spPr>
+        <p:style>
+          <a:lnRef idx="2">
+            <a:schemeClr val="accent1">
+              <a:shade val="50000"/>
+            </a:schemeClr>
+          </a:lnRef>
+          <a:fillRef idx="1">
+            <a:schemeClr val="accent1"/>
+          </a:fillRef>
+          <a:effectRef idx="0">
+            <a:schemeClr val="accent1"/>
+          </a:effectRef>
+          <a:fontRef idx="minor">
+            <a:schemeClr val="lt1"/>
+          </a:fontRef>
+        </p:style>
+        <p:txBody>
+          <a:bodyPr rtlCol="0" anchor="ctr"/>
+          <a:lstStyle/>
+          <a:p>
+            <a:pPr algn="ctr"/>
+            <a:endParaRPr lang="ko-KR" altLang="en-US"/>
+          </a:p>
+        </p:txBody>
+      </p:sp>
+      <p:sp>
+        <p:nvSpPr>
+          <p:cNvPr id="5" name="타원 4"/>
+          <p:cNvSpPr/>
+          <p:nvPr/>
+        </p:nvSpPr>
+        <p:spPr>
+          <a:xfrm>
+            <a:off x="495026" y="1693634"/>
+            <a:ext cx="1440000" cy="1440000"/>
+          </a:xfrm>
+          <a:prstGeom prst="ellipse">
+            <a:avLst/>
+          </a:prstGeom>
+          <a:solidFill>
+            <a:srgbClr val="FF7D7D"/>
+          </a:solidFill>
+          <a:ln w="63500">
+            <a:solidFill>
+              <a:schemeClr val="tx1"/>
+            </a:solidFill>
+          </a:ln>
+        </p:spPr>
+        <p:style>
+          <a:lnRef idx="2">
+            <a:schemeClr val="accent1">
+              <a:shade val="50000"/>
+            </a:schemeClr>
+          </a:lnRef>
+          <a:fillRef idx="1">
+            <a:schemeClr val="accent1"/>
+          </a:fillRef>
+          <a:effectRef idx="0">
+            <a:schemeClr val="accent1"/>
+          </a:effectRef>
+          <a:fontRef idx="minor">
+            <a:schemeClr val="lt1"/>
+          </a:fontRef>
+        </p:style>
+        <p:txBody>
+          <a:bodyPr rtlCol="0" anchor="ctr"/>
+          <a:lstStyle/>
+          <a:p>
+            <a:pPr algn="ctr"/>
+            <a:endParaRPr lang="ko-KR" altLang="en-US"/>
+          </a:p>
+        </p:txBody>
+      </p:sp>
+      <p:sp>
+        <p:nvSpPr>
+          <p:cNvPr id="6" name="직사각형 5"/>
+          <p:cNvSpPr/>
+          <p:nvPr/>
+        </p:nvSpPr>
+        <p:spPr>
+          <a:xfrm>
+            <a:off x="495026" y="3416663"/>
+            <a:ext cx="1440000" cy="1440000"/>
+          </a:xfrm>
+          <a:prstGeom prst="rect">
+            <a:avLst/>
+          </a:prstGeom>
+          <a:solidFill>
+            <a:srgbClr val="8585FF"/>
+          </a:solidFill>
+          <a:ln w="63500">
+            <a:solidFill>
+              <a:schemeClr val="tx1"/>
+            </a:solidFill>
+          </a:ln>
+        </p:spPr>
+        <p:style>
+          <a:lnRef idx="2">
+            <a:schemeClr val="accent1">
+              <a:shade val="50000"/>
+            </a:schemeClr>
+          </a:lnRef>
+          <a:fillRef idx="1">
+            <a:schemeClr val="accent1"/>
+          </a:fillRef>
+          <a:effectRef idx="0">
+            <a:schemeClr val="accent1"/>
+          </a:effectRef>
+          <a:fontRef idx="minor">
+            <a:schemeClr val="lt1"/>
+          </a:fontRef>
+        </p:style>
+        <p:txBody>
+          <a:bodyPr rtlCol="0" anchor="ctr"/>
+          <a:lstStyle/>
+          <a:p>
+            <a:pPr algn="ctr"/>
+            <a:endParaRPr lang="ko-KR" altLang="en-US"/>
+          </a:p>
+        </p:txBody>
+      </p:sp>
+      <p:sp>
+        <p:nvSpPr>
+          <p:cNvPr id="7" name="이등변 삼각형 6"/>
+          <p:cNvSpPr/>
+          <p:nvPr/>
+        </p:nvSpPr>
+        <p:spPr>
+          <a:xfrm>
+            <a:off x="495026" y="5139692"/>
+            <a:ext cx="1440000" cy="1440000"/>
+          </a:xfrm>
+          <a:prstGeom prst="triangle">
+            <a:avLst/>
+          </a:prstGeom>
+          <a:solidFill>
+            <a:srgbClr val="FFFF3F"/>
+          </a:solidFill>
+          <a:ln w="63500">
+            <a:solidFill>
+              <a:schemeClr val="tx1"/>
+            </a:solidFill>
+          </a:ln>
+        </p:spPr>
+        <p:style>
+          <a:lnRef idx="2">
+            <a:schemeClr val="accent1">
+              <a:shade val="50000"/>
+            </a:schemeClr>
+          </a:lnRef>
+          <a:fillRef idx="1">
+            <a:schemeClr val="accent1"/>
+          </a:fillRef>
+          <a:effectRef idx="0">
+            <a:schemeClr val="accent1"/>
+          </a:effectRef>
+          <a:fontRef idx="minor">
+            <a:schemeClr val="lt1"/>
+          </a:fontRef>
+        </p:style>
+        <p:txBody>
+          <a:bodyPr rtlCol="0" anchor="ctr"/>
+          <a:lstStyle/>
+          <a:p>
+            <a:pPr algn="ctr"/>
+            <a:endParaRPr lang="ko-KR" altLang="en-US"/>
+          </a:p>
+        </p:txBody>
+      </p:sp>
+      <p:sp>
+        <p:nvSpPr>
+          <p:cNvPr id="8" name="TextBox 7"/>
+          <p:cNvSpPr txBox="1"/>
+          <p:nvPr/>
+        </p:nvSpPr>
+        <p:spPr>
+          <a:xfrm>
+            <a:off x="2467428" y="508297"/>
+            <a:ext cx="1988457" cy="707886"/>
+          </a:xfrm>
+          <a:prstGeom prst="rect">
+            <a:avLst/>
+          </a:prstGeom>
+          <a:noFill/>
+        </p:spPr>
+        <p:txBody>
+          <a:bodyPr wrap="square" rtlCol="0">
+            <a:spAutoFit/>
+          </a:bodyPr>
+          <a:lstStyle/>
+          <a:p>
+            <a:pPr algn="ctr"/>
+            <a:r>
+              <a:rPr lang="ko-KR" altLang="en-US" sz="4000" dirty="0" smtClean="0">
+                <a:latin typeface="배달의민족 주아" panose="02020603020101020101" pitchFamily="18" charset="-127"/>
+                <a:ea typeface="배달의민족 주아" panose="02020603020101020101" pitchFamily="18" charset="-127"/>
+              </a:rPr>
+              <a:t>좀비</a:t>
+            </a:r>
+            <a:endParaRPr lang="ko-KR" altLang="en-US" sz="4000" dirty="0">
+              <a:latin typeface="배달의민족 주아" panose="02020603020101020101" pitchFamily="18" charset="-127"/>
+              <a:ea typeface="배달의민족 주아" panose="02020603020101020101" pitchFamily="18" charset="-127"/>
+            </a:endParaRPr>
+          </a:p>
+        </p:txBody>
+      </p:sp>
+      <p:sp>
+        <p:nvSpPr>
+          <p:cNvPr id="9" name="TextBox 8"/>
+          <p:cNvSpPr txBox="1"/>
+          <p:nvPr/>
+        </p:nvSpPr>
+        <p:spPr>
+          <a:xfrm>
+            <a:off x="2467427" y="2059691"/>
+            <a:ext cx="1988457" cy="707886"/>
+          </a:xfrm>
+          <a:prstGeom prst="rect">
+            <a:avLst/>
+          </a:prstGeom>
+          <a:noFill/>
+        </p:spPr>
+        <p:txBody>
+          <a:bodyPr wrap="square" rtlCol="0">
+            <a:spAutoFit/>
+          </a:bodyPr>
+          <a:lstStyle/>
+          <a:p>
+            <a:pPr algn="ctr"/>
+            <a:r>
+              <a:rPr lang="ko-KR" altLang="en-US" sz="4000" dirty="0" smtClean="0">
+                <a:latin typeface="배달의민족 주아" panose="02020603020101020101" pitchFamily="18" charset="-127"/>
+                <a:ea typeface="배달의민족 주아" panose="02020603020101020101" pitchFamily="18" charset="-127"/>
+              </a:rPr>
+              <a:t>군인</a:t>
+            </a:r>
+            <a:endParaRPr lang="ko-KR" altLang="en-US" sz="4000" dirty="0">
+              <a:latin typeface="배달의민족 주아" panose="02020603020101020101" pitchFamily="18" charset="-127"/>
+              <a:ea typeface="배달의민족 주아" panose="02020603020101020101" pitchFamily="18" charset="-127"/>
+            </a:endParaRPr>
+          </a:p>
+        </p:txBody>
+      </p:sp>
+      <p:sp>
+        <p:nvSpPr>
+          <p:cNvPr id="10" name="TextBox 9"/>
+          <p:cNvSpPr txBox="1"/>
+          <p:nvPr/>
+        </p:nvSpPr>
+        <p:spPr>
+          <a:xfrm>
+            <a:off x="2467426" y="3782720"/>
+            <a:ext cx="1988457" cy="707886"/>
+          </a:xfrm>
+          <a:prstGeom prst="rect">
+            <a:avLst/>
+          </a:prstGeom>
+          <a:noFill/>
+        </p:spPr>
+        <p:txBody>
+          <a:bodyPr wrap="square" rtlCol="0">
+            <a:spAutoFit/>
+          </a:bodyPr>
+          <a:lstStyle/>
+          <a:p>
+            <a:pPr algn="ctr"/>
+            <a:r>
+              <a:rPr lang="ko-KR" altLang="en-US" sz="4000" dirty="0" smtClean="0">
+                <a:latin typeface="배달의민족 주아" panose="02020603020101020101" pitchFamily="18" charset="-127"/>
+                <a:ea typeface="배달의민족 주아" panose="02020603020101020101" pitchFamily="18" charset="-127"/>
+              </a:rPr>
+              <a:t>경찰</a:t>
+            </a:r>
+            <a:endParaRPr lang="ko-KR" altLang="en-US" sz="4000" dirty="0">
+              <a:latin typeface="배달의민족 주아" panose="02020603020101020101" pitchFamily="18" charset="-127"/>
+              <a:ea typeface="배달의민족 주아" panose="02020603020101020101" pitchFamily="18" charset="-127"/>
+            </a:endParaRPr>
+          </a:p>
+        </p:txBody>
+      </p:sp>
+      <p:sp>
+        <p:nvSpPr>
+          <p:cNvPr id="11" name="TextBox 10"/>
+          <p:cNvSpPr txBox="1"/>
+          <p:nvPr/>
+        </p:nvSpPr>
+        <p:spPr>
+          <a:xfrm>
+            <a:off x="2467425" y="5505749"/>
+            <a:ext cx="1988457" cy="707886"/>
+          </a:xfrm>
+          <a:prstGeom prst="rect">
+            <a:avLst/>
+          </a:prstGeom>
+          <a:noFill/>
+        </p:spPr>
+        <p:txBody>
+          <a:bodyPr wrap="square" rtlCol="0">
+            <a:spAutoFit/>
+          </a:bodyPr>
+          <a:lstStyle/>
+          <a:p>
+            <a:pPr algn="ctr"/>
+            <a:r>
+              <a:rPr lang="ko-KR" altLang="en-US" sz="4000" dirty="0" smtClean="0">
+                <a:latin typeface="배달의민족 주아" panose="02020603020101020101" pitchFamily="18" charset="-127"/>
+                <a:ea typeface="배달의민족 주아" panose="02020603020101020101" pitchFamily="18" charset="-127"/>
+              </a:rPr>
+              <a:t>의사</a:t>
+            </a:r>
+            <a:endParaRPr lang="ko-KR" altLang="en-US" sz="4000" dirty="0">
+              <a:latin typeface="배달의민족 주아" panose="02020603020101020101" pitchFamily="18" charset="-127"/>
+              <a:ea typeface="배달의민족 주아" panose="02020603020101020101" pitchFamily="18" charset="-127"/>
+            </a:endParaRPr>
+          </a:p>
+        </p:txBody>
+      </p:sp>
+      <p:sp>
+        <p:nvSpPr>
+          <p:cNvPr id="13" name="눈물 방울 12"/>
+          <p:cNvSpPr>
+            <a:spLocks noChangeAspect="1"/>
+          </p:cNvSpPr>
+          <p:nvPr/>
+        </p:nvSpPr>
+        <p:spPr>
+          <a:xfrm rot="18900000">
+            <a:off x="4904075" y="2136220"/>
+            <a:ext cx="554828" cy="554828"/>
+          </a:xfrm>
+          <a:prstGeom prst="teardrop">
+            <a:avLst>
+              <a:gd name="adj" fmla="val 123218"/>
+            </a:avLst>
+          </a:prstGeom>
+          <a:solidFill>
+            <a:srgbClr val="FF0000"/>
+          </a:solidFill>
+          <a:ln w="38100">
+            <a:solidFill>
+              <a:schemeClr val="tx1"/>
+            </a:solidFill>
+          </a:ln>
+        </p:spPr>
+        <p:style>
+          <a:lnRef idx="2">
+            <a:schemeClr val="accent1">
+              <a:shade val="50000"/>
+            </a:schemeClr>
+          </a:lnRef>
+          <a:fillRef idx="1">
+            <a:schemeClr val="accent1"/>
+          </a:fillRef>
+          <a:effectRef idx="0">
+            <a:schemeClr val="accent1"/>
+          </a:effectRef>
+          <a:fontRef idx="minor">
+            <a:schemeClr val="lt1"/>
+          </a:fontRef>
+        </p:style>
+        <p:txBody>
+          <a:bodyPr rtlCol="0" anchor="ctr"/>
+          <a:lstStyle/>
+          <a:p>
+            <a:pPr algn="ctr"/>
+            <a:endParaRPr lang="ko-KR" altLang="en-US"/>
+          </a:p>
+        </p:txBody>
+      </p:sp>
+      <p:sp>
+        <p:nvSpPr>
+          <p:cNvPr id="14" name="눈물 방울 13"/>
+          <p:cNvSpPr>
+            <a:spLocks noChangeAspect="1"/>
+          </p:cNvSpPr>
+          <p:nvPr/>
+        </p:nvSpPr>
+        <p:spPr>
+          <a:xfrm rot="18900000">
+            <a:off x="5033539" y="372536"/>
+            <a:ext cx="554828" cy="554828"/>
+          </a:xfrm>
+          <a:prstGeom prst="teardrop">
+            <a:avLst>
+              <a:gd name="adj" fmla="val 123218"/>
+            </a:avLst>
+          </a:prstGeom>
+          <a:solidFill>
+            <a:schemeClr val="accent6">
+              <a:lumMod val="75000"/>
+            </a:schemeClr>
+          </a:solidFill>
+          <a:ln w="38100">
+            <a:solidFill>
+              <a:schemeClr val="tx1"/>
+            </a:solidFill>
+          </a:ln>
+        </p:spPr>
+        <p:style>
+          <a:lnRef idx="2">
+            <a:schemeClr val="accent1">
+              <a:shade val="50000"/>
+            </a:schemeClr>
+          </a:lnRef>
+          <a:fillRef idx="1">
+            <a:schemeClr val="accent1"/>
+          </a:fillRef>
+          <a:effectRef idx="0">
+            <a:schemeClr val="accent1"/>
+          </a:effectRef>
+          <a:fontRef idx="minor">
+            <a:schemeClr val="lt1"/>
+          </a:fontRef>
+        </p:style>
+        <p:txBody>
+          <a:bodyPr rtlCol="0" anchor="ctr"/>
+          <a:lstStyle/>
+          <a:p>
+            <a:pPr algn="ctr"/>
+            <a:endParaRPr lang="ko-KR" altLang="en-US"/>
+          </a:p>
+        </p:txBody>
+      </p:sp>
+      <p:sp>
+        <p:nvSpPr>
+          <p:cNvPr id="20" name="눈물 방울 19"/>
+          <p:cNvSpPr>
+            <a:spLocks noChangeAspect="1"/>
+          </p:cNvSpPr>
+          <p:nvPr/>
+        </p:nvSpPr>
+        <p:spPr>
+          <a:xfrm rot="18900000">
+            <a:off x="5291711" y="372538"/>
+            <a:ext cx="554828" cy="554828"/>
+          </a:xfrm>
+          <a:prstGeom prst="teardrop">
+            <a:avLst>
+              <a:gd name="adj" fmla="val 123218"/>
+            </a:avLst>
+          </a:prstGeom>
+          <a:solidFill>
+            <a:schemeClr val="accent6">
+              <a:lumMod val="75000"/>
+            </a:schemeClr>
+          </a:solidFill>
+          <a:ln w="38100">
+            <a:solidFill>
+              <a:schemeClr val="tx1"/>
+            </a:solidFill>
+          </a:ln>
+        </p:spPr>
+        <p:style>
+          <a:lnRef idx="2">
+            <a:schemeClr val="accent1">
+              <a:shade val="50000"/>
+            </a:schemeClr>
+          </a:lnRef>
+          <a:fillRef idx="1">
+            <a:schemeClr val="accent1"/>
+          </a:fillRef>
+          <a:effectRef idx="0">
+            <a:schemeClr val="accent1"/>
+          </a:effectRef>
+          <a:fontRef idx="minor">
+            <a:schemeClr val="lt1"/>
+          </a:fontRef>
+        </p:style>
+        <p:txBody>
+          <a:bodyPr rtlCol="0" anchor="ctr"/>
+          <a:lstStyle/>
+          <a:p>
+            <a:pPr algn="ctr"/>
+            <a:endParaRPr lang="ko-KR" altLang="en-US"/>
+          </a:p>
+        </p:txBody>
+      </p:sp>
+      <p:sp>
+        <p:nvSpPr>
+          <p:cNvPr id="21" name="눈물 방울 20"/>
+          <p:cNvSpPr>
+            <a:spLocks noChangeAspect="1"/>
+          </p:cNvSpPr>
+          <p:nvPr/>
+        </p:nvSpPr>
+        <p:spPr>
+          <a:xfrm rot="18900000">
+            <a:off x="5564412" y="382408"/>
+            <a:ext cx="554828" cy="554828"/>
+          </a:xfrm>
+          <a:prstGeom prst="teardrop">
+            <a:avLst>
+              <a:gd name="adj" fmla="val 123218"/>
+            </a:avLst>
+          </a:prstGeom>
+          <a:solidFill>
+            <a:schemeClr val="accent6">
+              <a:lumMod val="75000"/>
+            </a:schemeClr>
+          </a:solidFill>
+          <a:ln w="38100">
+            <a:solidFill>
+              <a:schemeClr val="tx1"/>
+            </a:solidFill>
+          </a:ln>
+        </p:spPr>
+        <p:style>
+          <a:lnRef idx="2">
+            <a:schemeClr val="accent1">
+              <a:shade val="50000"/>
+            </a:schemeClr>
+          </a:lnRef>
+          <a:fillRef idx="1">
+            <a:schemeClr val="accent1"/>
+          </a:fillRef>
+          <a:effectRef idx="0">
+            <a:schemeClr val="accent1"/>
+          </a:effectRef>
+          <a:fontRef idx="minor">
+            <a:schemeClr val="lt1"/>
+          </a:fontRef>
+        </p:style>
+        <p:txBody>
+          <a:bodyPr rtlCol="0" anchor="ctr"/>
+          <a:lstStyle/>
+          <a:p>
+            <a:pPr algn="ctr"/>
+            <a:endParaRPr lang="ko-KR" altLang="en-US"/>
+          </a:p>
+        </p:txBody>
+      </p:sp>
+      <p:sp>
+        <p:nvSpPr>
+          <p:cNvPr id="23" name="눈물 방울 22"/>
+          <p:cNvSpPr>
+            <a:spLocks noChangeAspect="1"/>
+          </p:cNvSpPr>
+          <p:nvPr/>
+        </p:nvSpPr>
+        <p:spPr>
+          <a:xfrm rot="18900000">
+            <a:off x="4893436" y="767131"/>
+            <a:ext cx="554828" cy="554828"/>
+          </a:xfrm>
+          <a:prstGeom prst="teardrop">
+            <a:avLst>
+              <a:gd name="adj" fmla="val 123218"/>
+            </a:avLst>
+          </a:prstGeom>
+          <a:solidFill>
+            <a:schemeClr val="accent6">
+              <a:lumMod val="75000"/>
+            </a:schemeClr>
+          </a:solidFill>
+          <a:ln w="38100">
+            <a:solidFill>
+              <a:schemeClr val="tx1"/>
+            </a:solidFill>
+          </a:ln>
+        </p:spPr>
+        <p:style>
+          <a:lnRef idx="2">
+            <a:schemeClr val="accent1">
+              <a:shade val="50000"/>
+            </a:schemeClr>
+          </a:lnRef>
+          <a:fillRef idx="1">
+            <a:schemeClr val="accent1"/>
+          </a:fillRef>
+          <a:effectRef idx="0">
+            <a:schemeClr val="accent1"/>
+          </a:effectRef>
+          <a:fontRef idx="minor">
+            <a:schemeClr val="lt1"/>
+          </a:fontRef>
+        </p:style>
+        <p:txBody>
+          <a:bodyPr rtlCol="0" anchor="ctr"/>
+          <a:lstStyle/>
+          <a:p>
+            <a:pPr algn="ctr"/>
+            <a:endParaRPr lang="ko-KR" altLang="en-US"/>
+          </a:p>
+        </p:txBody>
+      </p:sp>
+      <p:sp>
+        <p:nvSpPr>
+          <p:cNvPr id="24" name="눈물 방울 23"/>
+          <p:cNvSpPr>
+            <a:spLocks noChangeAspect="1"/>
+          </p:cNvSpPr>
+          <p:nvPr/>
+        </p:nvSpPr>
+        <p:spPr>
+          <a:xfrm rot="18900000">
+            <a:off x="5151608" y="767133"/>
+            <a:ext cx="554828" cy="554828"/>
+          </a:xfrm>
+          <a:prstGeom prst="teardrop">
+            <a:avLst>
+              <a:gd name="adj" fmla="val 123218"/>
+            </a:avLst>
+          </a:prstGeom>
+          <a:solidFill>
+            <a:schemeClr val="accent6">
+              <a:lumMod val="75000"/>
+            </a:schemeClr>
+          </a:solidFill>
+          <a:ln w="38100">
+            <a:solidFill>
+              <a:schemeClr val="tx1"/>
+            </a:solidFill>
+          </a:ln>
+        </p:spPr>
+        <p:style>
+          <a:lnRef idx="2">
+            <a:schemeClr val="accent1">
+              <a:shade val="50000"/>
+            </a:schemeClr>
+          </a:lnRef>
+          <a:fillRef idx="1">
+            <a:schemeClr val="accent1"/>
+          </a:fillRef>
+          <a:effectRef idx="0">
+            <a:schemeClr val="accent1"/>
+          </a:effectRef>
+          <a:fontRef idx="minor">
+            <a:schemeClr val="lt1"/>
+          </a:fontRef>
+        </p:style>
+        <p:txBody>
+          <a:bodyPr rtlCol="0" anchor="ctr"/>
+          <a:lstStyle/>
+          <a:p>
+            <a:pPr algn="ctr"/>
+            <a:endParaRPr lang="ko-KR" altLang="en-US"/>
+          </a:p>
+        </p:txBody>
+      </p:sp>
+      <p:sp>
+        <p:nvSpPr>
+          <p:cNvPr id="25" name="눈물 방울 24"/>
+          <p:cNvSpPr>
+            <a:spLocks noChangeAspect="1"/>
+          </p:cNvSpPr>
+          <p:nvPr/>
+        </p:nvSpPr>
+        <p:spPr>
+          <a:xfrm rot="18900000">
+            <a:off x="5424309" y="777003"/>
+            <a:ext cx="554828" cy="554828"/>
+          </a:xfrm>
+          <a:prstGeom prst="teardrop">
+            <a:avLst>
+              <a:gd name="adj" fmla="val 123218"/>
+            </a:avLst>
+          </a:prstGeom>
+          <a:solidFill>
+            <a:schemeClr val="accent6">
+              <a:lumMod val="75000"/>
+            </a:schemeClr>
+          </a:solidFill>
+          <a:ln w="38100">
+            <a:solidFill>
+              <a:schemeClr val="tx1"/>
+            </a:solidFill>
+          </a:ln>
+        </p:spPr>
+        <p:style>
+          <a:lnRef idx="2">
+            <a:schemeClr val="accent1">
+              <a:shade val="50000"/>
+            </a:schemeClr>
+          </a:lnRef>
+          <a:fillRef idx="1">
+            <a:schemeClr val="accent1"/>
+          </a:fillRef>
+          <a:effectRef idx="0">
+            <a:schemeClr val="accent1"/>
+          </a:effectRef>
+          <a:fontRef idx="minor">
+            <a:schemeClr val="lt1"/>
+          </a:fontRef>
+        </p:style>
+        <p:txBody>
+          <a:bodyPr rtlCol="0" anchor="ctr"/>
+          <a:lstStyle/>
+          <a:p>
+            <a:pPr algn="ctr"/>
+            <a:endParaRPr lang="ko-KR" altLang="en-US"/>
+          </a:p>
+        </p:txBody>
+      </p:sp>
+      <p:sp>
+        <p:nvSpPr>
+          <p:cNvPr id="26" name="눈물 방울 25"/>
+          <p:cNvSpPr>
+            <a:spLocks noChangeAspect="1"/>
+          </p:cNvSpPr>
+          <p:nvPr/>
+        </p:nvSpPr>
+        <p:spPr>
+          <a:xfrm rot="18900000">
+            <a:off x="5684033" y="786875"/>
+            <a:ext cx="554828" cy="554828"/>
+          </a:xfrm>
+          <a:prstGeom prst="teardrop">
+            <a:avLst>
+              <a:gd name="adj" fmla="val 123218"/>
+            </a:avLst>
+          </a:prstGeom>
+          <a:solidFill>
+            <a:schemeClr val="accent6">
+              <a:lumMod val="75000"/>
+            </a:schemeClr>
+          </a:solidFill>
+          <a:ln w="38100">
+            <a:solidFill>
+              <a:schemeClr val="tx1"/>
+            </a:solidFill>
+          </a:ln>
+        </p:spPr>
+        <p:style>
+          <a:lnRef idx="2">
+            <a:schemeClr val="accent1">
+              <a:shade val="50000"/>
+            </a:schemeClr>
+          </a:lnRef>
+          <a:fillRef idx="1">
+            <a:schemeClr val="accent1"/>
+          </a:fillRef>
+          <a:effectRef idx="0">
+            <a:schemeClr val="accent1"/>
+          </a:effectRef>
+          <a:fontRef idx="minor">
+            <a:schemeClr val="lt1"/>
+          </a:fontRef>
+        </p:style>
+        <p:txBody>
+          <a:bodyPr rtlCol="0" anchor="ctr"/>
+          <a:lstStyle/>
+          <a:p>
+            <a:pPr algn="ctr"/>
+            <a:endParaRPr lang="ko-KR" altLang="en-US"/>
+          </a:p>
+        </p:txBody>
+      </p:sp>
+      <p:sp>
+        <p:nvSpPr>
+          <p:cNvPr id="28" name="눈물 방울 27"/>
+          <p:cNvSpPr>
+            <a:spLocks noChangeAspect="1"/>
+          </p:cNvSpPr>
+          <p:nvPr/>
+        </p:nvSpPr>
+        <p:spPr>
+          <a:xfrm rot="18900000">
+            <a:off x="5688721" y="2146088"/>
+            <a:ext cx="554828" cy="554828"/>
+          </a:xfrm>
+          <a:prstGeom prst="teardrop">
+            <a:avLst>
+              <a:gd name="adj" fmla="val 123218"/>
+            </a:avLst>
+          </a:prstGeom>
+          <a:solidFill>
+            <a:srgbClr val="FF0000"/>
+          </a:solidFill>
+          <a:ln w="38100">
+            <a:solidFill>
+              <a:schemeClr val="tx1"/>
+            </a:solidFill>
+          </a:ln>
+        </p:spPr>
+        <p:style>
+          <a:lnRef idx="2">
+            <a:schemeClr val="accent1">
+              <a:shade val="50000"/>
+            </a:schemeClr>
+          </a:lnRef>
+          <a:fillRef idx="1">
+            <a:schemeClr val="accent1"/>
+          </a:fillRef>
+          <a:effectRef idx="0">
+            <a:schemeClr val="accent1"/>
+          </a:effectRef>
+          <a:fontRef idx="minor">
+            <a:schemeClr val="lt1"/>
+          </a:fontRef>
+        </p:style>
+        <p:txBody>
+          <a:bodyPr rtlCol="0" anchor="ctr"/>
+          <a:lstStyle/>
+          <a:p>
+            <a:pPr algn="ctr"/>
+            <a:endParaRPr lang="ko-KR" altLang="en-US"/>
+          </a:p>
+        </p:txBody>
+      </p:sp>
+      <p:sp>
+        <p:nvSpPr>
+          <p:cNvPr id="29" name="눈물 방울 28"/>
+          <p:cNvSpPr>
+            <a:spLocks noChangeAspect="1"/>
+          </p:cNvSpPr>
+          <p:nvPr/>
+        </p:nvSpPr>
+        <p:spPr>
+          <a:xfrm rot="18900000">
+            <a:off x="5291710" y="3835408"/>
+            <a:ext cx="554828" cy="554828"/>
+          </a:xfrm>
+          <a:prstGeom prst="teardrop">
+            <a:avLst>
+              <a:gd name="adj" fmla="val 123218"/>
+            </a:avLst>
+          </a:prstGeom>
+          <a:solidFill>
+            <a:srgbClr val="FF0000"/>
+          </a:solidFill>
+          <a:ln w="38100">
+            <a:solidFill>
+              <a:schemeClr val="tx1"/>
+            </a:solidFill>
+          </a:ln>
+        </p:spPr>
+        <p:style>
+          <a:lnRef idx="2">
+            <a:schemeClr val="accent1">
+              <a:shade val="50000"/>
+            </a:schemeClr>
+          </a:lnRef>
+          <a:fillRef idx="1">
+            <a:schemeClr val="accent1"/>
+          </a:fillRef>
+          <a:effectRef idx="0">
+            <a:schemeClr val="accent1"/>
+          </a:effectRef>
+          <a:fontRef idx="minor">
+            <a:schemeClr val="lt1"/>
+          </a:fontRef>
+        </p:style>
+        <p:txBody>
+          <a:bodyPr rtlCol="0" anchor="ctr"/>
+          <a:lstStyle/>
+          <a:p>
+            <a:pPr algn="ctr"/>
+            <a:endParaRPr lang="ko-KR" altLang="en-US"/>
+          </a:p>
+        </p:txBody>
+      </p:sp>
+      <p:sp>
+        <p:nvSpPr>
+          <p:cNvPr id="31" name="눈물 방울 30"/>
+          <p:cNvSpPr>
+            <a:spLocks noChangeAspect="1"/>
+          </p:cNvSpPr>
+          <p:nvPr/>
+        </p:nvSpPr>
+        <p:spPr>
+          <a:xfrm rot="18900000">
+            <a:off x="4904074" y="4056092"/>
+            <a:ext cx="554828" cy="554828"/>
+          </a:xfrm>
+          <a:prstGeom prst="teardrop">
+            <a:avLst>
+              <a:gd name="adj" fmla="val 123218"/>
+            </a:avLst>
+          </a:prstGeom>
+          <a:solidFill>
+            <a:srgbClr val="FF0000"/>
+          </a:solidFill>
+          <a:ln w="38100">
+            <a:solidFill>
+              <a:schemeClr val="tx1"/>
+            </a:solidFill>
+          </a:ln>
+        </p:spPr>
+        <p:style>
+          <a:lnRef idx="2">
+            <a:schemeClr val="accent1">
+              <a:shade val="50000"/>
+            </a:schemeClr>
+          </a:lnRef>
+          <a:fillRef idx="1">
+            <a:schemeClr val="accent1"/>
+          </a:fillRef>
+          <a:effectRef idx="0">
+            <a:schemeClr val="accent1"/>
+          </a:effectRef>
+          <a:fontRef idx="minor">
+            <a:schemeClr val="lt1"/>
+          </a:fontRef>
+        </p:style>
+        <p:txBody>
+          <a:bodyPr rtlCol="0" anchor="ctr"/>
+          <a:lstStyle/>
+          <a:p>
+            <a:pPr algn="ctr"/>
+            <a:endParaRPr lang="ko-KR" altLang="en-US"/>
+          </a:p>
+        </p:txBody>
+      </p:sp>
+      <p:sp>
+        <p:nvSpPr>
+          <p:cNvPr id="33" name="눈물 방울 32"/>
+          <p:cNvSpPr>
+            <a:spLocks noChangeAspect="1"/>
+          </p:cNvSpPr>
+          <p:nvPr/>
+        </p:nvSpPr>
+        <p:spPr>
+          <a:xfrm rot="18900000">
+            <a:off x="4904074" y="5714784"/>
+            <a:ext cx="554828" cy="554828"/>
+          </a:xfrm>
+          <a:prstGeom prst="teardrop">
+            <a:avLst>
+              <a:gd name="adj" fmla="val 123218"/>
+            </a:avLst>
+          </a:prstGeom>
+          <a:solidFill>
+            <a:srgbClr val="FF0000"/>
+          </a:solidFill>
+          <a:ln w="38100">
+            <a:solidFill>
+              <a:schemeClr val="tx1"/>
+            </a:solidFill>
+          </a:ln>
+        </p:spPr>
+        <p:style>
+          <a:lnRef idx="2">
+            <a:schemeClr val="accent1">
+              <a:shade val="50000"/>
+            </a:schemeClr>
+          </a:lnRef>
+          <a:fillRef idx="1">
+            <a:schemeClr val="accent1"/>
+          </a:fillRef>
+          <a:effectRef idx="0">
+            <a:schemeClr val="accent1"/>
+          </a:effectRef>
+          <a:fontRef idx="minor">
+            <a:schemeClr val="lt1"/>
+          </a:fontRef>
+        </p:style>
+        <p:txBody>
+          <a:bodyPr rtlCol="0" anchor="ctr"/>
+          <a:lstStyle/>
+          <a:p>
+            <a:pPr algn="ctr"/>
+            <a:endParaRPr lang="ko-KR" altLang="en-US"/>
+          </a:p>
+        </p:txBody>
+      </p:sp>
+      <p:sp>
+        <p:nvSpPr>
+          <p:cNvPr id="34" name="눈물 방울 33"/>
+          <p:cNvSpPr>
+            <a:spLocks noChangeAspect="1"/>
+          </p:cNvSpPr>
+          <p:nvPr/>
+        </p:nvSpPr>
+        <p:spPr>
+          <a:xfrm rot="18900000">
+            <a:off x="5688720" y="5724652"/>
+            <a:ext cx="554828" cy="554828"/>
+          </a:xfrm>
+          <a:prstGeom prst="teardrop">
+            <a:avLst>
+              <a:gd name="adj" fmla="val 123218"/>
+            </a:avLst>
+          </a:prstGeom>
+          <a:solidFill>
+            <a:srgbClr val="FF0000"/>
+          </a:solidFill>
+          <a:ln w="38100">
+            <a:solidFill>
+              <a:schemeClr val="tx1"/>
+            </a:solidFill>
+          </a:ln>
+        </p:spPr>
+        <p:style>
+          <a:lnRef idx="2">
+            <a:schemeClr val="accent1">
+              <a:shade val="50000"/>
+            </a:schemeClr>
+          </a:lnRef>
+          <a:fillRef idx="1">
+            <a:schemeClr val="accent1"/>
+          </a:fillRef>
+          <a:effectRef idx="0">
+            <a:schemeClr val="accent1"/>
+          </a:effectRef>
+          <a:fontRef idx="minor">
+            <a:schemeClr val="lt1"/>
+          </a:fontRef>
+        </p:style>
+        <p:txBody>
+          <a:bodyPr rtlCol="0" anchor="ctr"/>
+          <a:lstStyle/>
+          <a:p>
+            <a:pPr algn="ctr"/>
+            <a:endParaRPr lang="ko-KR" altLang="en-US"/>
+          </a:p>
+        </p:txBody>
+      </p:sp>
+      <p:sp>
+        <p:nvSpPr>
+          <p:cNvPr id="35" name="폭발 1 34"/>
+          <p:cNvSpPr/>
+          <p:nvPr/>
+        </p:nvSpPr>
+        <p:spPr>
+          <a:xfrm>
+            <a:off x="7568961" y="512659"/>
+            <a:ext cx="581891" cy="551630"/>
+          </a:xfrm>
+          <a:prstGeom prst="irregularSeal1">
+            <a:avLst/>
+          </a:prstGeom>
+          <a:solidFill>
+            <a:schemeClr val="accent6">
+              <a:lumMod val="60000"/>
+              <a:lumOff val="40000"/>
+            </a:schemeClr>
+          </a:solidFill>
+          <a:ln w="38100">
+            <a:solidFill>
+              <a:schemeClr val="tx1"/>
+            </a:solidFill>
+          </a:ln>
+        </p:spPr>
+        <p:style>
+          <a:lnRef idx="2">
+            <a:schemeClr val="accent1">
+              <a:shade val="50000"/>
+            </a:schemeClr>
+          </a:lnRef>
+          <a:fillRef idx="1">
+            <a:schemeClr val="accent1"/>
+          </a:fillRef>
+          <a:effectRef idx="0">
+            <a:schemeClr val="accent1"/>
+          </a:effectRef>
+          <a:fontRef idx="minor">
+            <a:schemeClr val="lt1"/>
+          </a:fontRef>
+        </p:style>
+        <p:txBody>
+          <a:bodyPr rtlCol="0" anchor="ctr"/>
+          <a:lstStyle/>
+          <a:p>
+            <a:pPr algn="ctr"/>
+            <a:endParaRPr lang="ko-KR" altLang="en-US"/>
+          </a:p>
+        </p:txBody>
+      </p:sp>
+      <p:sp>
+        <p:nvSpPr>
+          <p:cNvPr id="36" name="폭발 1 35"/>
+          <p:cNvSpPr/>
+          <p:nvPr/>
+        </p:nvSpPr>
+        <p:spPr>
+          <a:xfrm>
+            <a:off x="7202901" y="2059691"/>
+            <a:ext cx="581891" cy="551630"/>
+          </a:xfrm>
+          <a:prstGeom prst="irregularSeal1">
+            <a:avLst/>
+          </a:prstGeom>
+          <a:solidFill>
+            <a:srgbClr val="FFFF00"/>
+          </a:solidFill>
+          <a:ln w="38100">
+            <a:solidFill>
+              <a:schemeClr val="tx1"/>
+            </a:solidFill>
+          </a:ln>
+        </p:spPr>
+        <p:style>
+          <a:lnRef idx="2">
+            <a:schemeClr val="accent1">
+              <a:shade val="50000"/>
+            </a:schemeClr>
+          </a:lnRef>
+          <a:fillRef idx="1">
+            <a:schemeClr val="accent1"/>
+          </a:fillRef>
+          <a:effectRef idx="0">
+            <a:schemeClr val="accent1"/>
+          </a:effectRef>
+          <a:fontRef idx="minor">
+            <a:schemeClr val="lt1"/>
+          </a:fontRef>
+        </p:style>
+        <p:txBody>
+          <a:bodyPr rtlCol="0" anchor="ctr"/>
+          <a:lstStyle/>
+          <a:p>
+            <a:pPr algn="ctr"/>
+            <a:endParaRPr lang="ko-KR" altLang="en-US"/>
+          </a:p>
+        </p:txBody>
+      </p:sp>
+      <p:sp>
+        <p:nvSpPr>
+          <p:cNvPr id="37" name="폭발 1 36"/>
+          <p:cNvSpPr/>
+          <p:nvPr/>
+        </p:nvSpPr>
+        <p:spPr>
+          <a:xfrm>
+            <a:off x="7846061" y="2059691"/>
+            <a:ext cx="581891" cy="551630"/>
+          </a:xfrm>
+          <a:prstGeom prst="irregularSeal1">
+            <a:avLst/>
+          </a:prstGeom>
+          <a:solidFill>
+            <a:srgbClr val="FFFF00"/>
+          </a:solidFill>
+          <a:ln w="38100">
+            <a:solidFill>
+              <a:schemeClr val="tx1"/>
+            </a:solidFill>
+          </a:ln>
+        </p:spPr>
+        <p:style>
+          <a:lnRef idx="2">
+            <a:schemeClr val="accent1">
+              <a:shade val="50000"/>
+            </a:schemeClr>
+          </a:lnRef>
+          <a:fillRef idx="1">
+            <a:schemeClr val="accent1"/>
+          </a:fillRef>
+          <a:effectRef idx="0">
+            <a:schemeClr val="accent1"/>
+          </a:effectRef>
+          <a:fontRef idx="minor">
+            <a:schemeClr val="lt1"/>
+          </a:fontRef>
+        </p:style>
+        <p:txBody>
+          <a:bodyPr rtlCol="0" anchor="ctr"/>
+          <a:lstStyle/>
+          <a:p>
+            <a:pPr algn="ctr"/>
+            <a:endParaRPr lang="ko-KR" altLang="en-US"/>
+          </a:p>
+        </p:txBody>
+      </p:sp>
+      <p:sp>
+        <p:nvSpPr>
+          <p:cNvPr id="38" name="폭발 1 37"/>
+          <p:cNvSpPr/>
+          <p:nvPr/>
+        </p:nvSpPr>
+        <p:spPr>
+          <a:xfrm>
+            <a:off x="7568961" y="3791744"/>
+            <a:ext cx="581891" cy="551630"/>
+          </a:xfrm>
+          <a:prstGeom prst="irregularSeal1">
+            <a:avLst/>
+          </a:prstGeom>
+          <a:solidFill>
+            <a:srgbClr val="FFFF00"/>
+          </a:solidFill>
+          <a:ln w="38100">
+            <a:solidFill>
+              <a:schemeClr val="tx1"/>
+            </a:solidFill>
+          </a:ln>
+        </p:spPr>
+        <p:style>
+          <a:lnRef idx="2">
+            <a:schemeClr val="accent1">
+              <a:shade val="50000"/>
+            </a:schemeClr>
+          </a:lnRef>
+          <a:fillRef idx="1">
+            <a:schemeClr val="accent1"/>
+          </a:fillRef>
+          <a:effectRef idx="0">
+            <a:schemeClr val="accent1"/>
+          </a:effectRef>
+          <a:fontRef idx="minor">
+            <a:schemeClr val="lt1"/>
+          </a:fontRef>
+        </p:style>
+        <p:txBody>
+          <a:bodyPr rtlCol="0" anchor="ctr"/>
+          <a:lstStyle/>
+          <a:p>
+            <a:pPr algn="ctr"/>
+            <a:endParaRPr lang="ko-KR" altLang="en-US"/>
+          </a:p>
+        </p:txBody>
+      </p:sp>
+      <p:sp>
+        <p:nvSpPr>
+          <p:cNvPr id="39" name="십자형 38"/>
+          <p:cNvSpPr>
+            <a:spLocks noChangeAspect="1"/>
+          </p:cNvSpPr>
+          <p:nvPr/>
+        </p:nvSpPr>
+        <p:spPr>
+          <a:xfrm>
+            <a:off x="9635558" y="401316"/>
+            <a:ext cx="784647" cy="784647"/>
+          </a:xfrm>
+          <a:prstGeom prst="plus">
+            <a:avLst>
+              <a:gd name="adj" fmla="val 35583"/>
+            </a:avLst>
+          </a:prstGeom>
+          <a:solidFill>
+            <a:schemeClr val="accent6">
+              <a:lumMod val="75000"/>
+            </a:schemeClr>
+          </a:solidFill>
+          <a:ln w="38100">
+            <a:solidFill>
+              <a:schemeClr val="tx1"/>
+            </a:solidFill>
+          </a:ln>
+        </p:spPr>
+        <p:style>
+          <a:lnRef idx="2">
+            <a:schemeClr val="accent1">
+              <a:shade val="50000"/>
+            </a:schemeClr>
+          </a:lnRef>
+          <a:fillRef idx="1">
+            <a:schemeClr val="accent1"/>
+          </a:fillRef>
+          <a:effectRef idx="0">
+            <a:schemeClr val="accent1"/>
+          </a:effectRef>
+          <a:fontRef idx="minor">
+            <a:schemeClr val="lt1"/>
+          </a:fontRef>
+        </p:style>
+        <p:txBody>
+          <a:bodyPr rtlCol="0" anchor="ctr"/>
+          <a:lstStyle/>
+          <a:p>
+            <a:pPr algn="ctr"/>
+            <a:endParaRPr lang="ko-KR" altLang="en-US"/>
+          </a:p>
+        </p:txBody>
+      </p:sp>
+      <p:sp>
+        <p:nvSpPr>
+          <p:cNvPr id="40" name="십자형 39"/>
+          <p:cNvSpPr>
+            <a:spLocks noChangeAspect="1"/>
+          </p:cNvSpPr>
+          <p:nvPr/>
+        </p:nvSpPr>
+        <p:spPr>
+          <a:xfrm>
+            <a:off x="9604918" y="5505749"/>
+            <a:ext cx="784647" cy="784647"/>
+          </a:xfrm>
+          <a:prstGeom prst="plus">
+            <a:avLst>
+              <a:gd name="adj" fmla="val 35583"/>
+            </a:avLst>
+          </a:prstGeom>
+          <a:solidFill>
+            <a:srgbClr val="FF0000"/>
+          </a:solidFill>
+          <a:ln w="38100">
+            <a:solidFill>
+              <a:schemeClr val="tx1"/>
+            </a:solidFill>
+          </a:ln>
+        </p:spPr>
+        <p:style>
+          <a:lnRef idx="2">
+            <a:schemeClr val="accent1">
+              <a:shade val="50000"/>
+            </a:schemeClr>
+          </a:lnRef>
+          <a:fillRef idx="1">
+            <a:schemeClr val="accent1"/>
+          </a:fillRef>
+          <a:effectRef idx="0">
+            <a:schemeClr val="accent1"/>
+          </a:effectRef>
+          <a:fontRef idx="minor">
+            <a:schemeClr val="lt1"/>
+          </a:fontRef>
+        </p:style>
+        <p:txBody>
+          <a:bodyPr rtlCol="0" anchor="ctr"/>
+          <a:lstStyle/>
+          <a:p>
+            <a:pPr algn="ctr"/>
+            <a:endParaRPr lang="ko-KR" altLang="en-US"/>
+          </a:p>
+        </p:txBody>
+      </p:sp>
+      <p:grpSp>
+        <p:nvGrpSpPr>
+          <p:cNvPr id="44" name="그룹 43"/>
+          <p:cNvGrpSpPr>
+            <a:grpSpLocks noChangeAspect="1"/>
+          </p:cNvGrpSpPr>
+          <p:nvPr/>
+        </p:nvGrpSpPr>
+        <p:grpSpPr>
+          <a:xfrm>
+            <a:off x="9643882" y="3123018"/>
+            <a:ext cx="706718" cy="1319403"/>
+            <a:chOff x="9758365" y="1582240"/>
+            <a:chExt cx="1753894" cy="3274423"/>
+          </a:xfrm>
+        </p:grpSpPr>
+        <p:sp>
+          <p:nvSpPr>
+            <p:cNvPr id="41" name="원형 40"/>
+            <p:cNvSpPr/>
+            <p:nvPr/>
+          </p:nvSpPr>
+          <p:spPr>
+            <a:xfrm>
+              <a:off x="9758366" y="1582426"/>
+              <a:ext cx="1753893" cy="3274237"/>
+            </a:xfrm>
+            <a:prstGeom prst="pie">
+              <a:avLst>
+                <a:gd name="adj1" fmla="val 452567"/>
+                <a:gd name="adj2" fmla="val 5386700"/>
+              </a:avLst>
+            </a:prstGeom>
+            <a:solidFill>
+              <a:srgbClr val="1B319D"/>
+            </a:solidFill>
+            <a:ln w="38100" cap="rnd">
+              <a:solidFill>
+                <a:schemeClr val="tx1"/>
+              </a:solidFill>
+              <a:round/>
+            </a:ln>
+          </p:spPr>
+          <p:style>
+            <a:lnRef idx="2">
+              <a:schemeClr val="accent1">
+                <a:shade val="50000"/>
+              </a:schemeClr>
+            </a:lnRef>
+            <a:fillRef idx="1">
+              <a:schemeClr val="accent1"/>
+            </a:fillRef>
+            <a:effectRef idx="0">
+              <a:schemeClr val="accent1"/>
+            </a:effectRef>
+            <a:fontRef idx="minor">
+              <a:schemeClr val="lt1"/>
+            </a:fontRef>
+          </p:style>
+          <p:txBody>
+            <a:bodyPr rtlCol="0" anchor="ctr"/>
+            <a:lstStyle/>
+            <a:p>
+              <a:pPr algn="ctr"/>
+              <a:endParaRPr lang="ko-KR" altLang="en-US">
+                <a:solidFill>
+                  <a:schemeClr val="tx1"/>
+                </a:solidFill>
+              </a:endParaRPr>
+            </a:p>
+          </p:txBody>
+        </p:sp>
+        <p:sp>
+          <p:nvSpPr>
+            <p:cNvPr id="42" name="원형 41"/>
+            <p:cNvSpPr/>
+            <p:nvPr/>
+          </p:nvSpPr>
+          <p:spPr>
+            <a:xfrm flipH="1">
+              <a:off x="9758365" y="1582240"/>
+              <a:ext cx="1753893" cy="3274237"/>
+            </a:xfrm>
+            <a:prstGeom prst="pie">
+              <a:avLst>
+                <a:gd name="adj1" fmla="val 536561"/>
+                <a:gd name="adj2" fmla="val 5413896"/>
+              </a:avLst>
+            </a:prstGeom>
+            <a:solidFill>
+              <a:srgbClr val="1B319D"/>
+            </a:solidFill>
+            <a:ln w="38100" cap="rnd">
+              <a:solidFill>
+                <a:schemeClr val="tx1"/>
+              </a:solidFill>
+              <a:round/>
+            </a:ln>
+          </p:spPr>
+          <p:style>
+            <a:lnRef idx="2">
+              <a:schemeClr val="accent1">
+                <a:shade val="50000"/>
+              </a:schemeClr>
+            </a:lnRef>
+            <a:fillRef idx="1">
+              <a:schemeClr val="accent1"/>
+            </a:fillRef>
+            <a:effectRef idx="0">
+              <a:schemeClr val="accent1"/>
+            </a:effectRef>
+            <a:fontRef idx="minor">
+              <a:schemeClr val="lt1"/>
+            </a:fontRef>
+          </p:style>
+          <p:txBody>
+            <a:bodyPr rtlCol="0" anchor="ctr"/>
+            <a:lstStyle/>
+            <a:p>
+              <a:pPr algn="ctr"/>
+              <a:endParaRPr lang="ko-KR" altLang="en-US">
+                <a:solidFill>
+                  <a:schemeClr val="tx1"/>
+                </a:solidFill>
+              </a:endParaRPr>
+            </a:p>
+          </p:txBody>
+        </p:sp>
+        <p:sp>
+          <p:nvSpPr>
+            <p:cNvPr id="43" name="원형 42"/>
+            <p:cNvSpPr/>
+            <p:nvPr/>
+          </p:nvSpPr>
+          <p:spPr>
+            <a:xfrm>
+              <a:off x="10275311" y="1645701"/>
+              <a:ext cx="720000" cy="3210776"/>
+            </a:xfrm>
+            <a:prstGeom prst="pie">
+              <a:avLst>
+                <a:gd name="adj1" fmla="val 542968"/>
+                <a:gd name="adj2" fmla="val 10187895"/>
+              </a:avLst>
+            </a:prstGeom>
+            <a:gradFill flip="none" rotWithShape="1">
+              <a:gsLst>
+                <a:gs pos="70000">
+                  <a:schemeClr val="accent5">
+                    <a:lumMod val="40000"/>
+                    <a:lumOff val="60000"/>
+                    <a:alpha val="0"/>
+                  </a:schemeClr>
+                </a:gs>
+                <a:gs pos="30000">
+                  <a:schemeClr val="accent5">
+                    <a:lumMod val="40000"/>
+                    <a:lumOff val="60000"/>
+                    <a:alpha val="0"/>
+                  </a:schemeClr>
+                </a:gs>
+                <a:gs pos="50000">
+                  <a:schemeClr val="accent5">
+                    <a:lumMod val="40000"/>
+                    <a:lumOff val="60000"/>
+                  </a:schemeClr>
+                </a:gs>
+              </a:gsLst>
+              <a:lin ang="0" scaled="1"/>
+              <a:tileRect/>
+            </a:gradFill>
+            <a:ln>
+              <a:noFill/>
+            </a:ln>
+          </p:spPr>
+          <p:style>
+            <a:lnRef idx="2">
+              <a:schemeClr val="accent1">
+                <a:shade val="50000"/>
+              </a:schemeClr>
+            </a:lnRef>
+            <a:fillRef idx="1">
+              <a:schemeClr val="accent1"/>
+            </a:fillRef>
+            <a:effectRef idx="0">
+              <a:schemeClr val="accent1"/>
+            </a:effectRef>
+            <a:fontRef idx="minor">
+              <a:schemeClr val="lt1"/>
+            </a:fontRef>
+          </p:style>
+          <p:txBody>
+            <a:bodyPr rtlCol="0" anchor="ctr"/>
+            <a:lstStyle/>
+            <a:p>
+              <a:pPr algn="ctr"/>
+              <a:endParaRPr lang="ko-KR" altLang="en-US">
+                <a:solidFill>
+                  <a:schemeClr val="tx1"/>
+                </a:solidFill>
+              </a:endParaRPr>
+            </a:p>
+          </p:txBody>
+        </p:sp>
+      </p:grpSp>
+    </p:spTree>
+    <p:extLst>
+      <p:ext uri="{BB962C8B-B14F-4D97-AF65-F5344CB8AC3E}">
+        <p14:creationId xmlns:p14="http://schemas.microsoft.com/office/powerpoint/2010/main" val="2265162098"/>
+      </p:ext>
+    </p:extLst>
+  </p:cSld>
+  <p:clrMapOvr>
+    <a:masterClrMapping/>
+  </p:clrMapOvr>
+</p:sld>
+</file>
+
+<file path=ppt/slides/slide6.xml><?xml version="1.0" encoding="utf-8"?>
+<p:sld xmlns:a="http://schemas.openxmlformats.org/drawingml/2006/main" xmlns:r="http://schemas.openxmlformats.org/officeDocument/2006/relationships" xmlns:p="http://schemas.openxmlformats.org/presentationml/2006/main">
+  <p:cSld>
+    <p:spTree>
+      <p:nvGrpSpPr>
+        <p:cNvPr id="1" name=""/>
+        <p:cNvGrpSpPr/>
+        <p:nvPr/>
+      </p:nvGrpSpPr>
+      <p:grpSpPr>
+        <a:xfrm>
+          <a:off x="0" y="0"/>
+          <a:ext cx="0" cy="0"/>
+          <a:chOff x="0" y="0"/>
+          <a:chExt cx="0" cy="0"/>
+        </a:xfrm>
+      </p:grpSpPr>
+      <p:sp>
+        <p:nvSpPr>
+          <p:cNvPr id="4" name="모서리가 둥근 직사각형 3"/>
+          <p:cNvSpPr/>
+          <p:nvPr/>
+        </p:nvSpPr>
+        <p:spPr>
+          <a:xfrm>
+            <a:off x="721895" y="417095"/>
+            <a:ext cx="2880000" cy="1440000"/>
+          </a:xfrm>
+          <a:prstGeom prst="roundRect">
+            <a:avLst/>
+          </a:prstGeom>
+          <a:solidFill>
+            <a:schemeClr val="bg1">
+              <a:lumMod val="75000"/>
+            </a:schemeClr>
+          </a:solidFill>
+          <a:ln w="63500">
+            <a:solidFill>
+              <a:schemeClr val="tx1"/>
+            </a:solidFill>
+          </a:ln>
+        </p:spPr>
+        <p:style>
+          <a:lnRef idx="2">
+            <a:schemeClr val="accent1">
+              <a:shade val="50000"/>
+            </a:schemeClr>
+          </a:lnRef>
+          <a:fillRef idx="1">
+            <a:schemeClr val="accent1"/>
+          </a:fillRef>
+          <a:effectRef idx="0">
+            <a:schemeClr val="accent1"/>
+          </a:effectRef>
+          <a:fontRef idx="minor">
+            <a:schemeClr val="lt1"/>
+          </a:fontRef>
+        </p:style>
+        <p:txBody>
+          <a:bodyPr rtlCol="0" anchor="ctr"/>
+          <a:lstStyle/>
+          <a:p>
+            <a:pPr algn="ctr"/>
+            <a:r>
+              <a:rPr lang="ko-KR" altLang="en-US" sz="4800" dirty="0" smtClean="0">
+                <a:solidFill>
+                  <a:schemeClr val="tx1"/>
+                </a:solidFill>
+                <a:latin typeface="배달의민족 주아" panose="02020603020101020101" pitchFamily="18" charset="-127"/>
+                <a:ea typeface="배달의민족 주아" panose="02020603020101020101" pitchFamily="18" charset="-127"/>
+              </a:rPr>
+              <a:t>맵 생성</a:t>
+            </a:r>
+            <a:endParaRPr lang="ko-KR" altLang="en-US" sz="4800" dirty="0">
+              <a:solidFill>
+                <a:schemeClr val="tx1"/>
+              </a:solidFill>
+              <a:latin typeface="배달의민족 주아" panose="02020603020101020101" pitchFamily="18" charset="-127"/>
+              <a:ea typeface="배달의민족 주아" panose="02020603020101020101" pitchFamily="18" charset="-127"/>
+            </a:endParaRPr>
+          </a:p>
+        </p:txBody>
+      </p:sp>
+      <p:sp>
+        <p:nvSpPr>
+          <p:cNvPr id="5" name="모서리가 둥근 직사각형 4"/>
+          <p:cNvSpPr/>
+          <p:nvPr/>
+        </p:nvSpPr>
+        <p:spPr>
+          <a:xfrm>
+            <a:off x="4821093" y="417095"/>
+            <a:ext cx="2880000" cy="1440000"/>
+          </a:xfrm>
+          <a:prstGeom prst="roundRect">
+            <a:avLst/>
+          </a:prstGeom>
+          <a:solidFill>
+            <a:schemeClr val="bg1">
+              <a:lumMod val="75000"/>
+            </a:schemeClr>
+          </a:solidFill>
+          <a:ln w="63500">
+            <a:solidFill>
+              <a:schemeClr val="tx1"/>
+            </a:solidFill>
+          </a:ln>
+        </p:spPr>
+        <p:style>
+          <a:lnRef idx="2">
+            <a:schemeClr val="accent1">
+              <a:shade val="50000"/>
+            </a:schemeClr>
+          </a:lnRef>
+          <a:fillRef idx="1">
+            <a:schemeClr val="accent1"/>
+          </a:fillRef>
+          <a:effectRef idx="0">
+            <a:schemeClr val="accent1"/>
+          </a:effectRef>
+          <a:fontRef idx="minor">
+            <a:schemeClr val="lt1"/>
+          </a:fontRef>
+        </p:style>
+        <p:txBody>
+          <a:bodyPr rtlCol="0" anchor="ctr"/>
+          <a:lstStyle/>
+          <a:p>
+            <a:pPr algn="ctr"/>
+            <a:r>
+              <a:rPr lang="ko-KR" altLang="en-US" sz="4800" dirty="0" smtClean="0">
+                <a:solidFill>
+                  <a:schemeClr val="tx1"/>
+                </a:solidFill>
+                <a:latin typeface="배달의민족 주아" panose="02020603020101020101" pitchFamily="18" charset="-127"/>
+                <a:ea typeface="배달의민족 주아" panose="02020603020101020101" pitchFamily="18" charset="-127"/>
+              </a:rPr>
+              <a:t>유닛 배치</a:t>
+            </a:r>
+            <a:endParaRPr lang="ko-KR" altLang="en-US" sz="4800" dirty="0">
+              <a:solidFill>
+                <a:schemeClr val="tx1"/>
+              </a:solidFill>
+              <a:latin typeface="배달의민족 주아" panose="02020603020101020101" pitchFamily="18" charset="-127"/>
+              <a:ea typeface="배달의민족 주아" panose="02020603020101020101" pitchFamily="18" charset="-127"/>
+            </a:endParaRPr>
+          </a:p>
+        </p:txBody>
+      </p:sp>
+      <p:cxnSp>
+        <p:nvCxnSpPr>
+          <p:cNvPr id="7" name="직선 화살표 연결선 6"/>
+          <p:cNvCxnSpPr>
+            <a:stCxn id="4" idx="3"/>
+            <a:endCxn id="5" idx="1"/>
+          </p:cNvCxnSpPr>
+          <p:nvPr/>
+        </p:nvCxnSpPr>
+        <p:spPr>
+          <a:xfrm>
+            <a:off x="3601895" y="1137095"/>
+            <a:ext cx="1219198" cy="0"/>
+          </a:xfrm>
+          <a:prstGeom prst="straightConnector1">
+            <a:avLst/>
+          </a:prstGeom>
+          <a:ln w="63500" cap="rnd">
+            <a:solidFill>
+              <a:srgbClr val="FF0000"/>
+            </a:solidFill>
+            <a:round/>
+            <a:tailEnd type="triangle"/>
+          </a:ln>
+        </p:spPr>
+        <p:style>
+          <a:lnRef idx="1">
+            <a:schemeClr val="accent1"/>
+          </a:lnRef>
+          <a:fillRef idx="0">
+            <a:schemeClr val="accent1"/>
+          </a:fillRef>
+          <a:effectRef idx="0">
+            <a:schemeClr val="accent1"/>
+          </a:effectRef>
+          <a:fontRef idx="minor">
+            <a:schemeClr val="tx1"/>
+          </a:fontRef>
+        </p:style>
+      </p:cxnSp>
+      <p:sp>
+        <p:nvSpPr>
+          <p:cNvPr id="9" name="모서리가 둥근 직사각형 8"/>
+          <p:cNvSpPr/>
+          <p:nvPr/>
+        </p:nvSpPr>
+        <p:spPr>
+          <a:xfrm>
+            <a:off x="9015662" y="417095"/>
+            <a:ext cx="2880000" cy="1440000"/>
+          </a:xfrm>
+          <a:prstGeom prst="roundRect">
+            <a:avLst/>
+          </a:prstGeom>
+          <a:solidFill>
+            <a:srgbClr val="FF8F8F"/>
+          </a:solidFill>
+          <a:ln w="63500">
+            <a:solidFill>
+              <a:schemeClr val="tx1"/>
+            </a:solidFill>
+          </a:ln>
+        </p:spPr>
+        <p:style>
+          <a:lnRef idx="2">
+            <a:schemeClr val="accent1">
+              <a:shade val="50000"/>
+            </a:schemeClr>
+          </a:lnRef>
+          <a:fillRef idx="1">
+            <a:schemeClr val="accent1"/>
+          </a:fillRef>
+          <a:effectRef idx="0">
+            <a:schemeClr val="accent1"/>
+          </a:effectRef>
+          <a:fontRef idx="minor">
+            <a:schemeClr val="lt1"/>
+          </a:fontRef>
+        </p:style>
+        <p:txBody>
+          <a:bodyPr rtlCol="0" anchor="ctr"/>
+          <a:lstStyle/>
+          <a:p>
+            <a:pPr algn="ctr"/>
+            <a:r>
+              <a:rPr lang="ko-KR" altLang="en-US" sz="4000" dirty="0" smtClean="0">
+                <a:solidFill>
+                  <a:schemeClr val="tx1"/>
+                </a:solidFill>
+                <a:latin typeface="배달의민족 주아" panose="02020603020101020101" pitchFamily="18" charset="-127"/>
+                <a:ea typeface="배달의민족 주아" panose="02020603020101020101" pitchFamily="18" charset="-127"/>
+              </a:rPr>
+              <a:t>플레이어 이동</a:t>
+            </a:r>
+            <a:endParaRPr lang="ko-KR" altLang="en-US" sz="4000" dirty="0">
+              <a:solidFill>
+                <a:schemeClr val="tx1"/>
+              </a:solidFill>
+              <a:latin typeface="배달의민족 주아" panose="02020603020101020101" pitchFamily="18" charset="-127"/>
+              <a:ea typeface="배달의민족 주아" panose="02020603020101020101" pitchFamily="18" charset="-127"/>
+            </a:endParaRPr>
+          </a:p>
+        </p:txBody>
+      </p:sp>
+      <p:cxnSp>
+        <p:nvCxnSpPr>
+          <p:cNvPr id="12" name="직선 화살표 연결선 11"/>
+          <p:cNvCxnSpPr>
+            <a:stCxn id="5" idx="3"/>
+            <a:endCxn id="9" idx="1"/>
+          </p:cNvCxnSpPr>
+          <p:nvPr/>
+        </p:nvCxnSpPr>
+        <p:spPr>
+          <a:xfrm>
+            <a:off x="7701093" y="1137095"/>
+            <a:ext cx="1314569" cy="0"/>
+          </a:xfrm>
+          <a:prstGeom prst="straightConnector1">
+            <a:avLst/>
+          </a:prstGeom>
+          <a:ln w="63500" cap="rnd">
+            <a:solidFill>
+              <a:srgbClr val="0000B8"/>
+            </a:solidFill>
+            <a:round/>
+            <a:tailEnd type="triangle"/>
+          </a:ln>
+        </p:spPr>
+        <p:style>
+          <a:lnRef idx="1">
+            <a:schemeClr val="accent1"/>
+          </a:lnRef>
+          <a:fillRef idx="0">
+            <a:schemeClr val="accent1"/>
+          </a:fillRef>
+          <a:effectRef idx="0">
+            <a:schemeClr val="accent1"/>
+          </a:effectRef>
+          <a:fontRef idx="minor">
+            <a:schemeClr val="tx1"/>
+          </a:fontRef>
+        </p:style>
+      </p:cxnSp>
+      <p:sp>
+        <p:nvSpPr>
+          <p:cNvPr id="13" name="모서리가 둥근 직사각형 12"/>
+          <p:cNvSpPr/>
+          <p:nvPr/>
+        </p:nvSpPr>
+        <p:spPr>
+          <a:xfrm>
+            <a:off x="9015662" y="2577095"/>
+            <a:ext cx="2880000" cy="1440000"/>
+          </a:xfrm>
+          <a:prstGeom prst="roundRect">
+            <a:avLst/>
+          </a:prstGeom>
+          <a:solidFill>
+            <a:schemeClr val="accent6">
+              <a:lumMod val="60000"/>
+              <a:lumOff val="40000"/>
+            </a:schemeClr>
+          </a:solidFill>
+          <a:ln w="63500">
+            <a:solidFill>
+              <a:schemeClr val="tx1"/>
+            </a:solidFill>
+          </a:ln>
+        </p:spPr>
+        <p:style>
+          <a:lnRef idx="2">
+            <a:schemeClr val="accent1">
+              <a:shade val="50000"/>
+            </a:schemeClr>
+          </a:lnRef>
+          <a:fillRef idx="1">
+            <a:schemeClr val="accent1"/>
+          </a:fillRef>
+          <a:effectRef idx="0">
+            <a:schemeClr val="accent1"/>
+          </a:effectRef>
+          <a:fontRef idx="minor">
+            <a:schemeClr val="lt1"/>
+          </a:fontRef>
+        </p:style>
+        <p:txBody>
+          <a:bodyPr rtlCol="0" anchor="ctr"/>
+          <a:lstStyle/>
+          <a:p>
+            <a:pPr algn="ctr"/>
+            <a:r>
+              <a:rPr lang="ko-KR" altLang="en-US" sz="4800" dirty="0" smtClean="0">
+                <a:solidFill>
+                  <a:schemeClr val="tx1"/>
+                </a:solidFill>
+                <a:latin typeface="배달의민족 주아" panose="02020603020101020101" pitchFamily="18" charset="-127"/>
+                <a:ea typeface="배달의민족 주아" panose="02020603020101020101" pitchFamily="18" charset="-127"/>
+              </a:rPr>
+              <a:t>좀비 이동</a:t>
+            </a:r>
+            <a:endParaRPr lang="ko-KR" altLang="en-US" sz="4800" dirty="0">
+              <a:solidFill>
+                <a:schemeClr val="tx1"/>
+              </a:solidFill>
+              <a:latin typeface="배달의민족 주아" panose="02020603020101020101" pitchFamily="18" charset="-127"/>
+              <a:ea typeface="배달의민족 주아" panose="02020603020101020101" pitchFamily="18" charset="-127"/>
+            </a:endParaRPr>
+          </a:p>
+        </p:txBody>
+      </p:sp>
+      <p:cxnSp>
+        <p:nvCxnSpPr>
+          <p:cNvPr id="15" name="직선 화살표 연결선 14"/>
+          <p:cNvCxnSpPr>
+            <a:stCxn id="9" idx="2"/>
+            <a:endCxn id="13" idx="0"/>
+          </p:cNvCxnSpPr>
+          <p:nvPr/>
+        </p:nvCxnSpPr>
+        <p:spPr>
+          <a:xfrm>
+            <a:off x="10455662" y="1857095"/>
+            <a:ext cx="0" cy="720000"/>
+          </a:xfrm>
+          <a:prstGeom prst="straightConnector1">
+            <a:avLst/>
+          </a:prstGeom>
+          <a:ln w="63500" cap="rnd">
+            <a:solidFill>
+              <a:schemeClr val="accent6">
+                <a:lumMod val="50000"/>
+              </a:schemeClr>
+            </a:solidFill>
+            <a:round/>
+            <a:tailEnd type="triangle"/>
+          </a:ln>
+        </p:spPr>
+        <p:style>
+          <a:lnRef idx="1">
+            <a:schemeClr val="accent1"/>
+          </a:lnRef>
+          <a:fillRef idx="0">
+            <a:schemeClr val="accent1"/>
+          </a:fillRef>
+          <a:effectRef idx="0">
+            <a:schemeClr val="accent1"/>
+          </a:effectRef>
+          <a:fontRef idx="minor">
+            <a:schemeClr val="tx1"/>
+          </a:fontRef>
+        </p:style>
+      </p:cxnSp>
+      <p:sp>
+        <p:nvSpPr>
+          <p:cNvPr id="16" name="모서리가 둥근 직사각형 15"/>
+          <p:cNvSpPr/>
+          <p:nvPr/>
+        </p:nvSpPr>
+        <p:spPr>
+          <a:xfrm>
+            <a:off x="4821093" y="2577095"/>
+            <a:ext cx="2880000" cy="1440000"/>
+          </a:xfrm>
+          <a:prstGeom prst="roundRect">
+            <a:avLst/>
+          </a:prstGeom>
+          <a:gradFill>
+            <a:gsLst>
+              <a:gs pos="100000">
+                <a:schemeClr val="accent6">
+                  <a:lumMod val="60000"/>
+                  <a:lumOff val="40000"/>
+                </a:schemeClr>
+              </a:gs>
+              <a:gs pos="0">
+                <a:srgbClr val="FF8F8F"/>
+              </a:gs>
+            </a:gsLst>
+            <a:lin ang="0" scaled="1"/>
+          </a:gradFill>
+          <a:ln w="63500">
+            <a:solidFill>
+              <a:schemeClr val="tx1"/>
+            </a:solidFill>
+          </a:ln>
+        </p:spPr>
+        <p:style>
+          <a:lnRef idx="2">
+            <a:schemeClr val="accent1">
+              <a:shade val="50000"/>
+            </a:schemeClr>
+          </a:lnRef>
+          <a:fillRef idx="1">
+            <a:schemeClr val="accent1"/>
+          </a:fillRef>
+          <a:effectRef idx="0">
+            <a:schemeClr val="accent1"/>
+          </a:effectRef>
+          <a:fontRef idx="minor">
+            <a:schemeClr val="lt1"/>
+          </a:fontRef>
+        </p:style>
+        <p:txBody>
+          <a:bodyPr rtlCol="0" anchor="ctr"/>
+          <a:lstStyle/>
+          <a:p>
+            <a:pPr algn="ctr"/>
+            <a:r>
+              <a:rPr lang="ko-KR" altLang="en-US" sz="4800" dirty="0" smtClean="0">
+                <a:solidFill>
+                  <a:schemeClr val="tx1"/>
+                </a:solidFill>
+                <a:latin typeface="배달의민족 주아" panose="02020603020101020101" pitchFamily="18" charset="-127"/>
+                <a:ea typeface="배달의민족 주아" panose="02020603020101020101" pitchFamily="18" charset="-127"/>
+              </a:rPr>
+              <a:t>동시 전투</a:t>
+            </a:r>
+            <a:endParaRPr lang="ko-KR" altLang="en-US" sz="4800" dirty="0">
+              <a:solidFill>
+                <a:schemeClr val="tx1"/>
+              </a:solidFill>
+              <a:latin typeface="배달의민족 주아" panose="02020603020101020101" pitchFamily="18" charset="-127"/>
+              <a:ea typeface="배달의민족 주아" panose="02020603020101020101" pitchFamily="18" charset="-127"/>
+            </a:endParaRPr>
+          </a:p>
+        </p:txBody>
+      </p:sp>
+      <p:cxnSp>
+        <p:nvCxnSpPr>
+          <p:cNvPr id="18" name="직선 화살표 연결선 17"/>
+          <p:cNvCxnSpPr>
+            <a:stCxn id="13" idx="1"/>
+            <a:endCxn id="16" idx="3"/>
+          </p:cNvCxnSpPr>
+          <p:nvPr/>
+        </p:nvCxnSpPr>
+        <p:spPr>
+          <a:xfrm flipH="1">
+            <a:off x="7701093" y="3297095"/>
+            <a:ext cx="1314569" cy="0"/>
+          </a:xfrm>
+          <a:prstGeom prst="straightConnector1">
+            <a:avLst/>
+          </a:prstGeom>
+          <a:ln w="63500" cap="rnd">
+            <a:solidFill>
+              <a:srgbClr val="FFFF00"/>
+            </a:solidFill>
+            <a:round/>
+            <a:tailEnd type="triangle"/>
+          </a:ln>
+        </p:spPr>
+        <p:style>
+          <a:lnRef idx="1">
+            <a:schemeClr val="accent1"/>
+          </a:lnRef>
+          <a:fillRef idx="0">
+            <a:schemeClr val="accent1"/>
+          </a:fillRef>
+          <a:effectRef idx="0">
+            <a:schemeClr val="accent1"/>
+          </a:effectRef>
+          <a:fontRef idx="minor">
+            <a:schemeClr val="tx1"/>
+          </a:fontRef>
+        </p:style>
+      </p:cxnSp>
+      <p:sp>
+        <p:nvSpPr>
+          <p:cNvPr id="19" name="모서리가 둥근 직사각형 18"/>
+          <p:cNvSpPr/>
+          <p:nvPr/>
+        </p:nvSpPr>
+        <p:spPr>
+          <a:xfrm>
+            <a:off x="721895" y="2577095"/>
+            <a:ext cx="2880000" cy="1440000"/>
+          </a:xfrm>
+          <a:prstGeom prst="roundRect">
+            <a:avLst/>
+          </a:prstGeom>
+          <a:solidFill>
+            <a:srgbClr val="FF8F8F"/>
+          </a:solidFill>
+          <a:ln w="63500">
+            <a:solidFill>
+              <a:schemeClr val="tx1"/>
+            </a:solidFill>
+          </a:ln>
+        </p:spPr>
+        <p:style>
+          <a:lnRef idx="2">
+            <a:schemeClr val="accent1">
+              <a:shade val="50000"/>
+            </a:schemeClr>
+          </a:lnRef>
+          <a:fillRef idx="1">
+            <a:schemeClr val="accent1"/>
+          </a:fillRef>
+          <a:effectRef idx="0">
+            <a:schemeClr val="accent1"/>
+          </a:effectRef>
+          <a:fontRef idx="minor">
+            <a:schemeClr val="lt1"/>
+          </a:fontRef>
+        </p:style>
+        <p:txBody>
+          <a:bodyPr rtlCol="0" anchor="ctr"/>
+          <a:lstStyle/>
+          <a:p>
+            <a:pPr algn="ctr"/>
+            <a:r>
+              <a:rPr lang="ko-KR" altLang="en-US" sz="4000" dirty="0" smtClean="0">
+                <a:solidFill>
+                  <a:schemeClr val="tx1"/>
+                </a:solidFill>
+                <a:latin typeface="배달의민족 주아" panose="02020603020101020101" pitchFamily="18" charset="-127"/>
+                <a:ea typeface="배달의민족 주아" panose="02020603020101020101" pitchFamily="18" charset="-127"/>
+              </a:rPr>
+              <a:t>플레이어 이동</a:t>
+            </a:r>
+            <a:endParaRPr lang="ko-KR" altLang="en-US" sz="4000" dirty="0">
+              <a:solidFill>
+                <a:schemeClr val="tx1"/>
+              </a:solidFill>
+              <a:latin typeface="배달의민족 주아" panose="02020603020101020101" pitchFamily="18" charset="-127"/>
+              <a:ea typeface="배달의민족 주아" panose="02020603020101020101" pitchFamily="18" charset="-127"/>
+            </a:endParaRPr>
+          </a:p>
+        </p:txBody>
+      </p:sp>
+      <p:sp>
+        <p:nvSpPr>
+          <p:cNvPr id="20" name="모서리가 둥근 직사각형 19"/>
+          <p:cNvSpPr/>
+          <p:nvPr/>
+        </p:nvSpPr>
+        <p:spPr>
+          <a:xfrm>
+            <a:off x="721895" y="4737095"/>
+            <a:ext cx="2880000" cy="1440000"/>
+          </a:xfrm>
+          <a:prstGeom prst="roundRect">
+            <a:avLst/>
+          </a:prstGeom>
+          <a:solidFill>
+            <a:schemeClr val="accent6">
+              <a:lumMod val="60000"/>
+              <a:lumOff val="40000"/>
+            </a:schemeClr>
+          </a:solidFill>
+          <a:ln w="63500">
+            <a:solidFill>
+              <a:schemeClr val="tx1"/>
+            </a:solidFill>
+          </a:ln>
+        </p:spPr>
+        <p:style>
+          <a:lnRef idx="2">
+            <a:schemeClr val="accent1">
+              <a:shade val="50000"/>
+            </a:schemeClr>
+          </a:lnRef>
+          <a:fillRef idx="1">
+            <a:schemeClr val="accent1"/>
+          </a:fillRef>
+          <a:effectRef idx="0">
+            <a:schemeClr val="accent1"/>
+          </a:effectRef>
+          <a:fontRef idx="minor">
+            <a:schemeClr val="lt1"/>
+          </a:fontRef>
+        </p:style>
+        <p:txBody>
+          <a:bodyPr rtlCol="0" anchor="ctr"/>
+          <a:lstStyle/>
+          <a:p>
+            <a:pPr algn="ctr"/>
+            <a:r>
+              <a:rPr lang="ko-KR" altLang="en-US" sz="4800" dirty="0" smtClean="0">
+                <a:solidFill>
+                  <a:schemeClr val="tx1"/>
+                </a:solidFill>
+                <a:latin typeface="배달의민족 주아" panose="02020603020101020101" pitchFamily="18" charset="-127"/>
+                <a:ea typeface="배달의민족 주아" panose="02020603020101020101" pitchFamily="18" charset="-127"/>
+              </a:rPr>
+              <a:t>좀비 이동</a:t>
+            </a:r>
+            <a:endParaRPr lang="ko-KR" altLang="en-US" sz="4800" dirty="0">
+              <a:solidFill>
+                <a:schemeClr val="tx1"/>
+              </a:solidFill>
+              <a:latin typeface="배달의민족 주아" panose="02020603020101020101" pitchFamily="18" charset="-127"/>
+              <a:ea typeface="배달의민족 주아" panose="02020603020101020101" pitchFamily="18" charset="-127"/>
+            </a:endParaRPr>
+          </a:p>
+        </p:txBody>
+      </p:sp>
+      <p:sp>
+        <p:nvSpPr>
+          <p:cNvPr id="21" name="모서리가 둥근 직사각형 20"/>
+          <p:cNvSpPr/>
+          <p:nvPr/>
+        </p:nvSpPr>
+        <p:spPr>
+          <a:xfrm>
+            <a:off x="4821093" y="4737095"/>
+            <a:ext cx="2880000" cy="1440000"/>
+          </a:xfrm>
+          <a:prstGeom prst="roundRect">
+            <a:avLst/>
+          </a:prstGeom>
+          <a:gradFill>
+            <a:gsLst>
+              <a:gs pos="0">
+                <a:schemeClr val="accent6">
+                  <a:lumMod val="60000"/>
+                  <a:lumOff val="40000"/>
+                </a:schemeClr>
+              </a:gs>
+              <a:gs pos="100000">
+                <a:srgbClr val="FF8F8F"/>
+              </a:gs>
+            </a:gsLst>
+            <a:lin ang="0" scaled="1"/>
+          </a:gradFill>
+          <a:ln w="63500">
+            <a:solidFill>
+              <a:schemeClr val="tx1"/>
+            </a:solidFill>
+          </a:ln>
+        </p:spPr>
+        <p:style>
+          <a:lnRef idx="2">
+            <a:schemeClr val="accent1">
+              <a:shade val="50000"/>
+            </a:schemeClr>
+          </a:lnRef>
+          <a:fillRef idx="1">
+            <a:schemeClr val="accent1"/>
+          </a:fillRef>
+          <a:effectRef idx="0">
+            <a:schemeClr val="accent1"/>
+          </a:effectRef>
+          <a:fontRef idx="minor">
+            <a:schemeClr val="lt1"/>
+          </a:fontRef>
+        </p:style>
+        <p:txBody>
+          <a:bodyPr rtlCol="0" anchor="ctr"/>
+          <a:lstStyle/>
+          <a:p>
+            <a:pPr algn="ctr"/>
+            <a:r>
+              <a:rPr lang="ko-KR" altLang="en-US" sz="4800" dirty="0" smtClean="0">
+                <a:solidFill>
+                  <a:schemeClr val="tx1"/>
+                </a:solidFill>
+                <a:latin typeface="배달의민족 주아" panose="02020603020101020101" pitchFamily="18" charset="-127"/>
+                <a:ea typeface="배달의민족 주아" panose="02020603020101020101" pitchFamily="18" charset="-127"/>
+              </a:rPr>
+              <a:t>동시 전투</a:t>
+            </a:r>
+            <a:endParaRPr lang="ko-KR" altLang="en-US" sz="4800" dirty="0">
+              <a:solidFill>
+                <a:schemeClr val="tx1"/>
+              </a:solidFill>
+              <a:latin typeface="배달의민족 주아" panose="02020603020101020101" pitchFamily="18" charset="-127"/>
+              <a:ea typeface="배달의민족 주아" panose="02020603020101020101" pitchFamily="18" charset="-127"/>
+            </a:endParaRPr>
+          </a:p>
+        </p:txBody>
+      </p:sp>
+      <p:cxnSp>
+        <p:nvCxnSpPr>
+          <p:cNvPr id="23" name="직선 화살표 연결선 22"/>
+          <p:cNvCxnSpPr>
+            <a:stCxn id="16" idx="1"/>
+            <a:endCxn id="19" idx="3"/>
+          </p:cNvCxnSpPr>
+          <p:nvPr/>
+        </p:nvCxnSpPr>
+        <p:spPr>
+          <a:xfrm flipH="1">
+            <a:off x="3601895" y="3297095"/>
+            <a:ext cx="1219198" cy="0"/>
+          </a:xfrm>
+          <a:prstGeom prst="straightConnector1">
+            <a:avLst/>
+          </a:prstGeom>
+          <a:ln w="63500">
+            <a:solidFill>
+              <a:srgbClr val="0000B8"/>
+            </a:solidFill>
+            <a:tailEnd type="triangle"/>
+          </a:ln>
+        </p:spPr>
+        <p:style>
+          <a:lnRef idx="1">
+            <a:schemeClr val="accent1"/>
+          </a:lnRef>
+          <a:fillRef idx="0">
+            <a:schemeClr val="accent1"/>
+          </a:fillRef>
+          <a:effectRef idx="0">
+            <a:schemeClr val="accent1"/>
+          </a:effectRef>
+          <a:fontRef idx="minor">
+            <a:schemeClr val="tx1"/>
+          </a:fontRef>
+        </p:style>
+      </p:cxnSp>
+      <p:cxnSp>
+        <p:nvCxnSpPr>
+          <p:cNvPr id="25" name="직선 화살표 연결선 24"/>
+          <p:cNvCxnSpPr>
+            <a:stCxn id="19" idx="2"/>
+            <a:endCxn id="20" idx="0"/>
+          </p:cNvCxnSpPr>
+          <p:nvPr/>
+        </p:nvCxnSpPr>
+        <p:spPr>
+          <a:xfrm>
+            <a:off x="2161895" y="4017095"/>
+            <a:ext cx="0" cy="720000"/>
+          </a:xfrm>
+          <a:prstGeom prst="straightConnector1">
+            <a:avLst/>
+          </a:prstGeom>
+          <a:ln w="63500">
+            <a:solidFill>
+              <a:schemeClr val="accent6">
+                <a:lumMod val="50000"/>
+              </a:schemeClr>
+            </a:solidFill>
+            <a:tailEnd type="triangle"/>
+          </a:ln>
+        </p:spPr>
+        <p:style>
+          <a:lnRef idx="1">
+            <a:schemeClr val="accent1"/>
+          </a:lnRef>
+          <a:fillRef idx="0">
+            <a:schemeClr val="accent1"/>
+          </a:fillRef>
+          <a:effectRef idx="0">
+            <a:schemeClr val="accent1"/>
+          </a:effectRef>
+          <a:fontRef idx="minor">
+            <a:schemeClr val="tx1"/>
+          </a:fontRef>
+        </p:style>
+      </p:cxnSp>
+      <p:cxnSp>
+        <p:nvCxnSpPr>
+          <p:cNvPr id="27" name="직선 화살표 연결선 26"/>
+          <p:cNvCxnSpPr>
+            <a:stCxn id="20" idx="3"/>
+            <a:endCxn id="21" idx="1"/>
+          </p:cNvCxnSpPr>
+          <p:nvPr/>
+        </p:nvCxnSpPr>
+        <p:spPr>
+          <a:xfrm>
+            <a:off x="3601895" y="5457095"/>
+            <a:ext cx="1219198" cy="0"/>
+          </a:xfrm>
+          <a:prstGeom prst="straightConnector1">
+            <a:avLst/>
+          </a:prstGeom>
+          <a:ln w="63500">
+            <a:solidFill>
+              <a:srgbClr val="FFFF00"/>
+            </a:solidFill>
+            <a:tailEnd type="triangle"/>
+          </a:ln>
+        </p:spPr>
+        <p:style>
+          <a:lnRef idx="1">
+            <a:schemeClr val="accent1"/>
+          </a:lnRef>
+          <a:fillRef idx="0">
+            <a:schemeClr val="accent1"/>
+          </a:fillRef>
+          <a:effectRef idx="0">
+            <a:schemeClr val="accent1"/>
+          </a:effectRef>
+          <a:fontRef idx="minor">
+            <a:schemeClr val="tx1"/>
+          </a:fontRef>
+        </p:style>
+      </p:cxnSp>
+      <p:sp>
+        <p:nvSpPr>
+          <p:cNvPr id="28" name="모서리가 둥근 직사각형 27"/>
+          <p:cNvSpPr/>
+          <p:nvPr/>
+        </p:nvSpPr>
+        <p:spPr>
+          <a:xfrm>
+            <a:off x="9015662" y="4737095"/>
+            <a:ext cx="2880000" cy="1440000"/>
+          </a:xfrm>
+          <a:prstGeom prst="roundRect">
+            <a:avLst/>
+          </a:prstGeom>
+          <a:solidFill>
+            <a:schemeClr val="bg1">
+              <a:lumMod val="75000"/>
+            </a:schemeClr>
+          </a:solidFill>
+          <a:ln w="63500">
+            <a:solidFill>
+              <a:schemeClr val="tx1"/>
+            </a:solidFill>
+          </a:ln>
+        </p:spPr>
+        <p:style>
+          <a:lnRef idx="2">
+            <a:schemeClr val="accent1">
+              <a:shade val="50000"/>
+            </a:schemeClr>
+          </a:lnRef>
+          <a:fillRef idx="1">
+            <a:schemeClr val="accent1"/>
+          </a:fillRef>
+          <a:effectRef idx="0">
+            <a:schemeClr val="accent1"/>
+          </a:effectRef>
+          <a:fontRef idx="minor">
+            <a:schemeClr val="lt1"/>
+          </a:fontRef>
+        </p:style>
+        <p:txBody>
+          <a:bodyPr rtlCol="0" anchor="ctr"/>
+          <a:lstStyle/>
+          <a:p>
+            <a:pPr algn="ctr"/>
+            <a:r>
+              <a:rPr lang="ko-KR" altLang="en-US" sz="4800" dirty="0" smtClean="0">
+                <a:solidFill>
+                  <a:schemeClr val="tx1"/>
+                </a:solidFill>
+                <a:latin typeface="배달의민족 주아" panose="02020603020101020101" pitchFamily="18" charset="-127"/>
+                <a:ea typeface="배달의민족 주아" panose="02020603020101020101" pitchFamily="18" charset="-127"/>
+              </a:rPr>
+              <a:t>게임 끝</a:t>
+            </a:r>
+            <a:endParaRPr lang="ko-KR" altLang="en-US" sz="4800" dirty="0">
+              <a:solidFill>
+                <a:schemeClr val="tx1"/>
+              </a:solidFill>
+              <a:latin typeface="배달의민족 주아" panose="02020603020101020101" pitchFamily="18" charset="-127"/>
+              <a:ea typeface="배달의민족 주아" panose="02020603020101020101" pitchFamily="18" charset="-127"/>
+            </a:endParaRPr>
+          </a:p>
+        </p:txBody>
+      </p:sp>
+      <p:cxnSp>
+        <p:nvCxnSpPr>
+          <p:cNvPr id="30" name="직선 화살표 연결선 29"/>
+          <p:cNvCxnSpPr>
+            <a:stCxn id="21" idx="3"/>
+            <a:endCxn id="28" idx="1"/>
+          </p:cNvCxnSpPr>
+          <p:nvPr/>
+        </p:nvCxnSpPr>
+        <p:spPr>
+          <a:xfrm>
+            <a:off x="7701093" y="5457095"/>
+            <a:ext cx="1314569" cy="0"/>
+          </a:xfrm>
+          <a:prstGeom prst="straightConnector1">
+            <a:avLst/>
+          </a:prstGeom>
+          <a:ln w="63500">
+            <a:solidFill>
+              <a:srgbClr val="FF0000"/>
+            </a:solidFill>
+            <a:prstDash val="sysDot"/>
+            <a:tailEnd type="triangle"/>
+          </a:ln>
+        </p:spPr>
+        <p:style>
+          <a:lnRef idx="1">
+            <a:schemeClr val="accent1"/>
+          </a:lnRef>
+          <a:fillRef idx="0">
+            <a:schemeClr val="accent1"/>
+          </a:fillRef>
+          <a:effectRef idx="0">
+            <a:schemeClr val="accent1"/>
+          </a:effectRef>
+          <a:fontRef idx="minor">
+            <a:schemeClr val="tx1"/>
+          </a:fontRef>
+        </p:style>
+      </p:cxnSp>
+    </p:spTree>
+    <p:extLst>
+      <p:ext uri="{BB962C8B-B14F-4D97-AF65-F5344CB8AC3E}">
+        <p14:creationId xmlns:p14="http://schemas.microsoft.com/office/powerpoint/2010/main" val="4069861648"/>
+      </p:ext>
+    </p:extLst>
+  </p:cSld>
+  <p:clrMapOvr>
+    <a:masterClrMapping/>
+  </p:clrMapOvr>
+</p:sld>
+</file>
+
+<file path=ppt/slides/slide7.xml><?xml version="1.0" encoding="utf-8"?>
+<p:sld xmlns:a="http://schemas.openxmlformats.org/drawingml/2006/main" xmlns:r="http://schemas.openxmlformats.org/officeDocument/2006/relationships" xmlns:p="http://schemas.openxmlformats.org/presentationml/2006/main">
+  <p:cSld>
+    <p:spTree>
+      <p:nvGrpSpPr>
+        <p:cNvPr id="1" name=""/>
+        <p:cNvGrpSpPr/>
+        <p:nvPr/>
+      </p:nvGrpSpPr>
+      <p:grpSpPr>
+        <a:xfrm>
+          <a:off x="0" y="0"/>
+          <a:ext cx="0" cy="0"/>
+          <a:chOff x="0" y="0"/>
+          <a:chExt cx="0" cy="0"/>
+        </a:xfrm>
+      </p:grpSpPr>
+      <p:sp>
+        <p:nvSpPr>
+          <p:cNvPr id="4" name="오른쪽 화살표 3"/>
+          <p:cNvSpPr/>
+          <p:nvPr/>
+        </p:nvSpPr>
+        <p:spPr>
+          <a:xfrm>
+            <a:off x="5759116" y="2021306"/>
+            <a:ext cx="1260000" cy="1080000"/>
+          </a:xfrm>
+          <a:prstGeom prst="rightArrow">
+            <a:avLst>
+              <a:gd name="adj1" fmla="val 48319"/>
+              <a:gd name="adj2" fmla="val 50000"/>
+            </a:avLst>
+          </a:prstGeom>
+          <a:solidFill>
+            <a:schemeClr val="accent2">
+              <a:lumMod val="60000"/>
+              <a:lumOff val="40000"/>
+            </a:schemeClr>
+          </a:solidFill>
+          <a:ln w="63500" cap="rnd">
+            <a:solidFill>
+              <a:schemeClr val="tx1"/>
+            </a:solidFill>
+            <a:round/>
+          </a:ln>
+        </p:spPr>
+        <p:style>
+          <a:lnRef idx="2">
+            <a:schemeClr val="accent1">
+              <a:shade val="50000"/>
+            </a:schemeClr>
+          </a:lnRef>
+          <a:fillRef idx="1">
+            <a:schemeClr val="accent1"/>
+          </a:fillRef>
+          <a:effectRef idx="0">
+            <a:schemeClr val="accent1"/>
+          </a:effectRef>
+          <a:fontRef idx="minor">
+            <a:schemeClr val="lt1"/>
+          </a:fontRef>
+        </p:style>
+        <p:txBody>
+          <a:bodyPr rtlCol="0" anchor="ctr"/>
+          <a:lstStyle/>
+          <a:p>
+            <a:pPr algn="ctr"/>
+            <a:endParaRPr lang="ko-KR" altLang="en-US"/>
+          </a:p>
+        </p:txBody>
+      </p:sp>
+    </p:spTree>
+    <p:extLst>
+      <p:ext uri="{BB962C8B-B14F-4D97-AF65-F5344CB8AC3E}">
+        <p14:creationId xmlns:p14="http://schemas.microsoft.com/office/powerpoint/2010/main" val="3253854595"/>
+      </p:ext>
+    </p:extLst>
+  </p:cSld>
+  <p:clrMapOvr>
+    <a:masterClrMapping/>
+  </p:clrMapOvr>
+</p:sld>
+</file>
+
 <file path=ppt/theme/theme1.xml><?xml version="1.0" encoding="utf-8"?>
 <a:theme xmlns:a="http://schemas.openxmlformats.org/drawingml/2006/main" name="Office 테마">
   <a:themeElements>
